--- a/LA CHOUETTE.pptx
+++ b/LA CHOUETTE.pptx
@@ -10,13 +10,15 @@
     <p:sldId id="258" r:id="rId4"/>
     <p:sldId id="259" r:id="rId5"/>
     <p:sldId id="260" r:id="rId6"/>
-    <p:sldId id="262" r:id="rId7"/>
-    <p:sldId id="261" r:id="rId8"/>
-    <p:sldId id="263" r:id="rId9"/>
-    <p:sldId id="264" r:id="rId10"/>
-    <p:sldId id="265" r:id="rId11"/>
-    <p:sldId id="266" r:id="rId12"/>
-    <p:sldId id="267" r:id="rId13"/>
+    <p:sldId id="268" r:id="rId7"/>
+    <p:sldId id="262" r:id="rId8"/>
+    <p:sldId id="261" r:id="rId9"/>
+    <p:sldId id="263" r:id="rId10"/>
+    <p:sldId id="269" r:id="rId11"/>
+    <p:sldId id="264" r:id="rId12"/>
+    <p:sldId id="265" r:id="rId13"/>
+    <p:sldId id="266" r:id="rId14"/>
+    <p:sldId id="267" r:id="rId15"/>
   </p:sldIdLst>
   <p:sldSz cx="12192000" cy="6858000"/>
   <p:notesSz cx="6858000" cy="9144000"/>
@@ -115,6 +117,11 @@
       </a:defRPr>
     </a:lvl9pPr>
   </p:defaultTextStyle>
+  <p:extLst>
+    <p:ext uri="{EFAFB233-063F-42B5-8137-9DF3F51BA10A}">
+      <p15:sldGuideLst xmlns:p15="http://schemas.microsoft.com/office/powerpoint/2012/main"/>
+    </p:ext>
+  </p:extLst>
 </p:presentation>
 </file>
 
@@ -840,7 +847,7 @@
           <a:p>
             <a:fld id="{78ABE3C1-DBE1-495D-B57B-2849774B866A}" type="datetimeFigureOut">
               <a:rPr lang="en-US" smtClean="0"/>
-              <a:t>8/29/2021</a:t>
+              <a:t>9/5/2021</a:t>
             </a:fld>
             <a:endParaRPr lang="en-US" dirty="0"/>
           </a:p>
@@ -1091,7 +1098,7 @@
           <a:p>
             <a:fld id="{9D6E9DEC-419B-4CC5-A080-3B06BD5A8291}" type="datetimeFigureOut">
               <a:rPr lang="en-US" smtClean="0"/>
-              <a:t>8/29/2021</a:t>
+              <a:t>9/5/2021</a:t>
             </a:fld>
             <a:endParaRPr lang="en-US" dirty="0"/>
           </a:p>
@@ -1407,7 +1414,7 @@
           <a:p>
             <a:fld id="{9D6E9DEC-419B-4CC5-A080-3B06BD5A8291}" type="datetimeFigureOut">
               <a:rPr lang="en-US" smtClean="0"/>
-              <a:t>8/29/2021</a:t>
+              <a:t>9/5/2021</a:t>
             </a:fld>
             <a:endParaRPr lang="en-US" dirty="0"/>
           </a:p>
@@ -1750,7 +1757,7 @@
           <a:p>
             <a:fld id="{9D6E9DEC-419B-4CC5-A080-3B06BD5A8291}" type="datetimeFigureOut">
               <a:rPr lang="en-US" smtClean="0"/>
-              <a:t>8/29/2021</a:t>
+              <a:t>9/5/2021</a:t>
             </a:fld>
             <a:endParaRPr lang="en-US" dirty="0"/>
           </a:p>
@@ -2066,7 +2073,7 @@
           <a:p>
             <a:fld id="{9D6E9DEC-419B-4CC5-A080-3B06BD5A8291}" type="datetimeFigureOut">
               <a:rPr lang="en-US" smtClean="0"/>
-              <a:t>8/29/2021</a:t>
+              <a:t>9/5/2021</a:t>
             </a:fld>
             <a:endParaRPr lang="en-US" dirty="0"/>
           </a:p>
@@ -2461,7 +2468,7 @@
           <a:p>
             <a:fld id="{9D6E9DEC-419B-4CC5-A080-3B06BD5A8291}" type="datetimeFigureOut">
               <a:rPr lang="en-US" smtClean="0"/>
-              <a:t>8/29/2021</a:t>
+              <a:t>9/5/2021</a:t>
             </a:fld>
             <a:endParaRPr lang="en-US" dirty="0"/>
           </a:p>
@@ -2633,7 +2640,7 @@
           <a:p>
             <a:fld id="{1FA3F48C-C7C6-4055-9F49-3777875E72AE}" type="datetimeFigureOut">
               <a:rPr lang="en-US" smtClean="0"/>
-              <a:t>8/29/2021</a:t>
+              <a:t>9/5/2021</a:t>
             </a:fld>
             <a:endParaRPr lang="en-US" dirty="0"/>
           </a:p>
@@ -2813,7 +2820,7 @@
           <a:p>
             <a:fld id="{6178E61D-D431-422C-9764-11DAFE33AB63}" type="datetimeFigureOut">
               <a:rPr lang="en-US" smtClean="0"/>
-              <a:t>8/29/2021</a:t>
+              <a:t>9/5/2021</a:t>
             </a:fld>
             <a:endParaRPr lang="en-US" dirty="0"/>
           </a:p>
@@ -2990,7 +2997,7 @@
           <a:p>
             <a:fld id="{12DE42F4-6EEF-4EF7-8ED4-2208F0F89A08}" type="datetimeFigureOut">
               <a:rPr lang="en-US" smtClean="0"/>
-              <a:t>8/29/2021</a:t>
+              <a:t>9/5/2021</a:t>
             </a:fld>
             <a:endParaRPr lang="en-US" dirty="0"/>
           </a:p>
@@ -3237,7 +3244,7 @@
           <a:p>
             <a:fld id="{30578ACC-22D6-47C1-A373-4FD133E34F3C}" type="datetimeFigureOut">
               <a:rPr lang="en-US" smtClean="0"/>
-              <a:t>8/29/2021</a:t>
+              <a:t>9/5/2021</a:t>
             </a:fld>
             <a:endParaRPr lang="en-US" dirty="0"/>
           </a:p>
@@ -3469,7 +3476,7 @@
           <a:p>
             <a:fld id="{4E5A6C69-6797-4E8A-BF37-F2C3751466E9}" type="datetimeFigureOut">
               <a:rPr lang="en-US" smtClean="0"/>
-              <a:t>8/29/2021</a:t>
+              <a:t>9/5/2021</a:t>
             </a:fld>
             <a:endParaRPr lang="en-US" dirty="0"/>
           </a:p>
@@ -3843,7 +3850,7 @@
           <a:p>
             <a:fld id="{D82014A1-A632-4878-A0D3-F52BA7563730}" type="datetimeFigureOut">
               <a:rPr lang="en-US" smtClean="0"/>
-              <a:t>8/29/2021</a:t>
+              <a:t>9/5/2021</a:t>
             </a:fld>
             <a:endParaRPr lang="en-US" dirty="0"/>
           </a:p>
@@ -3966,7 +3973,7 @@
           <a:p>
             <a:fld id="{CE99F462-093F-4566-844B-4C71F2739DA5}" type="datetimeFigureOut">
               <a:rPr lang="en-US" smtClean="0"/>
-              <a:t>8/29/2021</a:t>
+              <a:t>9/5/2021</a:t>
             </a:fld>
             <a:endParaRPr lang="en-US" dirty="0"/>
           </a:p>
@@ -4061,7 +4068,7 @@
           <a:p>
             <a:fld id="{3D24A7AC-904D-4781-85BA-7D10C17ED021}" type="datetimeFigureOut">
               <a:rPr lang="en-US" smtClean="0"/>
-              <a:t>8/29/2021</a:t>
+              <a:t>9/5/2021</a:t>
             </a:fld>
             <a:endParaRPr lang="en-US" dirty="0"/>
           </a:p>
@@ -4316,7 +4323,7 @@
           <a:p>
             <a:fld id="{E331444B-B92B-4E27-8C94-BB93EAF5CB18}" type="datetimeFigureOut">
               <a:rPr lang="en-US" smtClean="0"/>
-              <a:t>8/29/2021</a:t>
+              <a:t>9/5/2021</a:t>
             </a:fld>
             <a:endParaRPr lang="en-US" dirty="0"/>
           </a:p>
@@ -4579,7 +4586,7 @@
           <a:p>
             <a:fld id="{363EFA5E-FA76-400D-B3DC-F0BA90E6D107}" type="datetimeFigureOut">
               <a:rPr lang="en-US" smtClean="0"/>
-              <a:t>8/29/2021</a:t>
+              <a:t>9/5/2021</a:t>
             </a:fld>
             <a:endParaRPr lang="en-US" dirty="0"/>
           </a:p>
@@ -5322,7 +5329,7 @@
           <a:p>
             <a:fld id="{9D6E9DEC-419B-4CC5-A080-3B06BD5A8291}" type="datetimeFigureOut">
               <a:rPr lang="en-US" smtClean="0"/>
-              <a:t>8/29/2021</a:t>
+              <a:t>9/5/2021</a:t>
             </a:fld>
             <a:endParaRPr lang="en-US" dirty="0"/>
           </a:p>
@@ -5976,7 +5983,7 @@
           <p:cNvPr id="2" name="Titre 1">
             <a:extLst>
               <a:ext uri="{FF2B5EF4-FFF2-40B4-BE49-F238E27FC236}">
-                <a16:creationId xmlns:a16="http://schemas.microsoft.com/office/drawing/2014/main" id="{E53103CE-5075-476A-A24D-F6E8066A8F45}"/>
+                <a16:creationId xmlns:a16="http://schemas.microsoft.com/office/drawing/2014/main" id="{5CD6A2BE-79A2-45D0-AB1C-67D889F96D52}"/>
               </a:ext>
             </a:extLst>
           </p:cNvPr>
@@ -5994,7 +6001,7 @@
           <a:p>
             <a:r>
               <a:rPr lang="fr-FR" dirty="0"/>
-              <a:t>Gestion des scripts</a:t>
+              <a:t>Travail effectué</a:t>
             </a:r>
           </a:p>
         </p:txBody>
@@ -6004,7 +6011,7 @@
           <p:cNvPr id="3" name="Espace réservé du contenu 2">
             <a:extLst>
               <a:ext uri="{FF2B5EF4-FFF2-40B4-BE49-F238E27FC236}">
-                <a16:creationId xmlns:a16="http://schemas.microsoft.com/office/drawing/2014/main" id="{F8D5727A-033A-4EC8-8F2F-B53B36792F71}"/>
+                <a16:creationId xmlns:a16="http://schemas.microsoft.com/office/drawing/2014/main" id="{A90DA42C-C5E6-40B5-A06E-A0C86AC23D01}"/>
               </a:ext>
             </a:extLst>
           </p:cNvPr>
@@ -6022,23 +6029,48 @@
           <a:p>
             <a:r>
               <a:rPr lang="fr-FR" dirty="0"/>
-              <a:t>Pour une </a:t>
+              <a:t>Une </a:t>
             </a:r>
             <a:r>
               <a:rPr lang="fr-FR" dirty="0" err="1"/>
-              <a:t>seo</a:t>
+              <a:t>meta</a:t>
             </a:r>
             <a:r>
               <a:rPr lang="fr-FR" dirty="0"/>
-              <a:t> les scripts doivent être appelés à la fin de la page</a:t>
-            </a:r>
+              <a:t> description avec pas plus de 240 caractères une </a:t>
+            </a:r>
+            <a:r>
+              <a:rPr lang="fr-FR" dirty="0" err="1"/>
+              <a:t>sescrption</a:t>
+            </a:r>
+            <a:r>
+              <a:rPr lang="fr-FR" dirty="0"/>
+              <a:t> succinct et relatant l’activité de l’agence</a:t>
+            </a:r>
+          </a:p>
+          <a:p>
+            <a:r>
+              <a:rPr lang="fr-FR" dirty="0"/>
+              <a:t>Une balise </a:t>
+            </a:r>
+            <a:r>
+              <a:rPr lang="fr-FR" dirty="0" err="1"/>
+              <a:t>title</a:t>
+            </a:r>
+            <a:r>
+              <a:rPr lang="fr-FR" dirty="0"/>
+              <a:t> pertinente</a:t>
+            </a:r>
+          </a:p>
+          <a:p>
+            <a:endParaRPr lang="fr-FR" dirty="0"/>
           </a:p>
         </p:txBody>
       </p:sp>
     </p:spTree>
     <p:extLst>
       <p:ext uri="{BB962C8B-B14F-4D97-AF65-F5344CB8AC3E}">
-        <p14:creationId xmlns:p14="http://schemas.microsoft.com/office/powerpoint/2010/main" val="1580362125"/>
+        <p14:creationId xmlns:p14="http://schemas.microsoft.com/office/powerpoint/2010/main" val="2784581560"/>
       </p:ext>
     </p:extLst>
   </p:cSld>
@@ -6070,6 +6102,226 @@
           <p:cNvPr id="2" name="Titre 1">
             <a:extLst>
               <a:ext uri="{FF2B5EF4-FFF2-40B4-BE49-F238E27FC236}">
+                <a16:creationId xmlns:a16="http://schemas.microsoft.com/office/drawing/2014/main" id="{A4B2476A-9401-427E-A39B-E7FF3E350414}"/>
+              </a:ext>
+            </a:extLst>
+          </p:cNvPr>
+          <p:cNvSpPr>
+            <a:spLocks noGrp="1"/>
+          </p:cNvSpPr>
+          <p:nvPr>
+            <p:ph type="title"/>
+          </p:nvPr>
+        </p:nvSpPr>
+        <p:spPr/>
+        <p:txBody>
+          <a:bodyPr/>
+          <a:lstStyle/>
+          <a:p>
+            <a:r>
+              <a:rPr lang="fr-FR" dirty="0"/>
+              <a:t>4-Définir des balises Open Graph</a:t>
+            </a:r>
+          </a:p>
+        </p:txBody>
+      </p:sp>
+      <p:sp>
+        <p:nvSpPr>
+          <p:cNvPr id="3" name="Espace réservé du contenu 2">
+            <a:extLst>
+              <a:ext uri="{FF2B5EF4-FFF2-40B4-BE49-F238E27FC236}">
+                <a16:creationId xmlns:a16="http://schemas.microsoft.com/office/drawing/2014/main" id="{A23267CF-474D-4A15-9416-4AC8DAA5AD0A}"/>
+              </a:ext>
+            </a:extLst>
+          </p:cNvPr>
+          <p:cNvSpPr>
+            <a:spLocks noGrp="1"/>
+          </p:cNvSpPr>
+          <p:nvPr>
+            <p:ph idx="1"/>
+          </p:nvPr>
+        </p:nvSpPr>
+        <p:spPr/>
+        <p:txBody>
+          <a:bodyPr/>
+          <a:lstStyle/>
+          <a:p>
+            <a:r>
+              <a:rPr lang="fr-FR" dirty="0"/>
+              <a:t>Intégrer </a:t>
+            </a:r>
+            <a:r>
+              <a:rPr lang="fr-FR" dirty="0" err="1"/>
+              <a:t>OpenGraph</a:t>
+            </a:r>
+            <a:r>
+              <a:rPr lang="fr-FR" dirty="0"/>
+              <a:t> réseau sociaux : Facebook, twitter, </a:t>
+            </a:r>
+          </a:p>
+          <a:p>
+            <a:endParaRPr lang="fr-FR" dirty="0"/>
+          </a:p>
+        </p:txBody>
+      </p:sp>
+      <p:pic>
+        <p:nvPicPr>
+          <p:cNvPr id="5" name="Image 4">
+            <a:extLst>
+              <a:ext uri="{FF2B5EF4-FFF2-40B4-BE49-F238E27FC236}">
+                <a16:creationId xmlns:a16="http://schemas.microsoft.com/office/drawing/2014/main" id="{1ACF07F7-DA5B-484A-A04E-7D8859D4D222}"/>
+              </a:ext>
+            </a:extLst>
+          </p:cNvPr>
+          <p:cNvPicPr>
+            <a:picLocks noChangeAspect="1"/>
+          </p:cNvPicPr>
+          <p:nvPr/>
+        </p:nvPicPr>
+        <p:blipFill rotWithShape="1">
+          <a:blip r:embed="rId2"/>
+          <a:srcRect l="35474" t="22417" r="35539" b="7714"/>
+          <a:stretch/>
+        </p:blipFill>
+        <p:spPr>
+          <a:xfrm>
+            <a:off x="4324865" y="1589903"/>
+            <a:ext cx="3534032" cy="4658498"/>
+          </a:xfrm>
+          <a:prstGeom prst="rect">
+            <a:avLst/>
+          </a:prstGeom>
+        </p:spPr>
+      </p:pic>
+    </p:spTree>
+    <p:extLst>
+      <p:ext uri="{BB962C8B-B14F-4D97-AF65-F5344CB8AC3E}">
+        <p14:creationId xmlns:p14="http://schemas.microsoft.com/office/powerpoint/2010/main" val="1709694674"/>
+      </p:ext>
+    </p:extLst>
+  </p:cSld>
+  <p:clrMapOvr>
+    <a:masterClrMapping/>
+  </p:clrMapOvr>
+</p:sld>
+</file>
+
+<file path=ppt/slides/slide12.xml><?xml version="1.0" encoding="utf-8"?>
+<p:sld xmlns:a="http://schemas.openxmlformats.org/drawingml/2006/main" xmlns:r="http://schemas.openxmlformats.org/officeDocument/2006/relationships" xmlns:p="http://schemas.openxmlformats.org/presentationml/2006/main">
+  <p:cSld>
+    <p:spTree>
+      <p:nvGrpSpPr>
+        <p:cNvPr id="1" name=""/>
+        <p:cNvGrpSpPr/>
+        <p:nvPr/>
+      </p:nvGrpSpPr>
+      <p:grpSpPr>
+        <a:xfrm>
+          <a:off x="0" y="0"/>
+          <a:ext cx="0" cy="0"/>
+          <a:chOff x="0" y="0"/>
+          <a:chExt cx="0" cy="0"/>
+        </a:xfrm>
+      </p:grpSpPr>
+      <p:sp>
+        <p:nvSpPr>
+          <p:cNvPr id="2" name="Titre 1">
+            <a:extLst>
+              <a:ext uri="{FF2B5EF4-FFF2-40B4-BE49-F238E27FC236}">
+                <a16:creationId xmlns:a16="http://schemas.microsoft.com/office/drawing/2014/main" id="{E53103CE-5075-476A-A24D-F6E8066A8F45}"/>
+              </a:ext>
+            </a:extLst>
+          </p:cNvPr>
+          <p:cNvSpPr>
+            <a:spLocks noGrp="1"/>
+          </p:cNvSpPr>
+          <p:nvPr>
+            <p:ph type="title"/>
+          </p:nvPr>
+        </p:nvSpPr>
+        <p:spPr/>
+        <p:txBody>
+          <a:bodyPr/>
+          <a:lstStyle/>
+          <a:p>
+            <a:r>
+              <a:rPr lang="fr-FR" dirty="0"/>
+              <a:t>Gestion des scripts</a:t>
+            </a:r>
+          </a:p>
+        </p:txBody>
+      </p:sp>
+      <p:sp>
+        <p:nvSpPr>
+          <p:cNvPr id="3" name="Espace réservé du contenu 2">
+            <a:extLst>
+              <a:ext uri="{FF2B5EF4-FFF2-40B4-BE49-F238E27FC236}">
+                <a16:creationId xmlns:a16="http://schemas.microsoft.com/office/drawing/2014/main" id="{F8D5727A-033A-4EC8-8F2F-B53B36792F71}"/>
+              </a:ext>
+            </a:extLst>
+          </p:cNvPr>
+          <p:cNvSpPr>
+            <a:spLocks noGrp="1"/>
+          </p:cNvSpPr>
+          <p:nvPr>
+            <p:ph idx="1"/>
+          </p:nvPr>
+        </p:nvSpPr>
+        <p:spPr/>
+        <p:txBody>
+          <a:bodyPr/>
+          <a:lstStyle/>
+          <a:p>
+            <a:r>
+              <a:rPr lang="fr-FR" dirty="0"/>
+              <a:t>Pour une </a:t>
+            </a:r>
+            <a:r>
+              <a:rPr lang="fr-FR" dirty="0" err="1"/>
+              <a:t>seo</a:t>
+            </a:r>
+            <a:r>
+              <a:rPr lang="fr-FR" dirty="0"/>
+              <a:t> les scripts doivent être appelés à la fin de la page</a:t>
+            </a:r>
+          </a:p>
+        </p:txBody>
+      </p:sp>
+    </p:spTree>
+    <p:extLst>
+      <p:ext uri="{BB962C8B-B14F-4D97-AF65-F5344CB8AC3E}">
+        <p14:creationId xmlns:p14="http://schemas.microsoft.com/office/powerpoint/2010/main" val="1580362125"/>
+      </p:ext>
+    </p:extLst>
+  </p:cSld>
+  <p:clrMapOvr>
+    <a:masterClrMapping/>
+  </p:clrMapOvr>
+</p:sld>
+</file>
+
+<file path=ppt/slides/slide13.xml><?xml version="1.0" encoding="utf-8"?>
+<p:sld xmlns:a="http://schemas.openxmlformats.org/drawingml/2006/main" xmlns:r="http://schemas.openxmlformats.org/officeDocument/2006/relationships" xmlns:p="http://schemas.openxmlformats.org/presentationml/2006/main">
+  <p:cSld>
+    <p:spTree>
+      <p:nvGrpSpPr>
+        <p:cNvPr id="1" name=""/>
+        <p:cNvGrpSpPr/>
+        <p:nvPr/>
+      </p:nvGrpSpPr>
+      <p:grpSpPr>
+        <a:xfrm>
+          <a:off x="0" y="0"/>
+          <a:ext cx="0" cy="0"/>
+          <a:chOff x="0" y="0"/>
+          <a:chExt cx="0" cy="0"/>
+        </a:xfrm>
+      </p:grpSpPr>
+      <p:sp>
+        <p:nvSpPr>
+          <p:cNvPr id="2" name="Titre 1">
+            <a:extLst>
+              <a:ext uri="{FF2B5EF4-FFF2-40B4-BE49-F238E27FC236}">
                 <a16:creationId xmlns:a16="http://schemas.microsoft.com/office/drawing/2014/main" id="{6CD56250-DF0A-44EE-8476-ACC28686904C}"/>
               </a:ext>
             </a:extLst>
@@ -6153,7 +6405,7 @@
 </p:sld>
 </file>
 
-<file path=ppt/slides/slide12.xml><?xml version="1.0" encoding="utf-8"?>
+<file path=ppt/slides/slide14.xml><?xml version="1.0" encoding="utf-8"?>
 <p:sld xmlns:a="http://schemas.openxmlformats.org/drawingml/2006/main" xmlns:r="http://schemas.openxmlformats.org/officeDocument/2006/relationships" xmlns:p="http://schemas.openxmlformats.org/presentationml/2006/main">
   <p:cSld>
     <p:spTree>
@@ -6273,7 +6525,7 @@
           <a:p>
             <a:r>
               <a:rPr lang="fr-FR" dirty="0"/>
-              <a:t>Diagnostic de performance</a:t>
+              <a:t>1-Diagnostic de performance</a:t>
             </a:r>
           </a:p>
         </p:txBody>
@@ -6301,7 +6553,7 @@
           <a:p>
             <a:r>
               <a:rPr lang="fr-FR" dirty="0"/>
-              <a:t>Le site n’est pas optimisé au vu des images lourdes des fichiers  </a:t>
+              <a:t>Le site n’est pas optimisé au vu du poids des  images, des fichiers  </a:t>
             </a:r>
             <a:r>
               <a:rPr lang="fr-FR" dirty="0" err="1"/>
@@ -6317,15 +6569,7 @@
             </a:r>
             <a:r>
               <a:rPr lang="fr-FR" dirty="0"/>
-              <a:t> et </a:t>
-            </a:r>
-            <a:r>
-              <a:rPr lang="fr-FR" dirty="0" err="1"/>
-              <a:t>et</a:t>
-            </a:r>
-            <a:r>
-              <a:rPr lang="fr-FR" dirty="0"/>
-              <a:t> java qui ne sont pas minifiés : Performance et structure non </a:t>
+              <a:t> et java qui ne sont pas minifiés : Performance et structure non </a:t>
             </a:r>
             <a:r>
               <a:rPr lang="fr-FR" dirty="0" err="1"/>
@@ -6429,7 +6673,7 @@
           <a:p>
             <a:r>
               <a:rPr lang="fr-FR" dirty="0"/>
-              <a:t>Travail effectuer</a:t>
+              <a:t>Travail effectué</a:t>
             </a:r>
           </a:p>
         </p:txBody>
@@ -6511,6 +6755,39 @@
             <a:r>
               <a:rPr lang="fr-FR" dirty="0"/>
               <a:t> et le java</a:t>
+            </a:r>
+          </a:p>
+          <a:p>
+            <a:r>
+              <a:rPr lang="fr-FR" dirty="0"/>
+              <a:t>3-Mise en place d’un </a:t>
+            </a:r>
+            <a:r>
+              <a:rPr lang="fr-FR" dirty="0" err="1"/>
+              <a:t>htaccess</a:t>
+            </a:r>
+            <a:r>
+              <a:rPr lang="fr-FR" dirty="0"/>
+              <a:t> :</a:t>
+            </a:r>
+          </a:p>
+          <a:p>
+            <a:pPr lvl="4"/>
+            <a:r>
+              <a:rPr lang="fr-FR" dirty="0"/>
+              <a:t>A-Zipper </a:t>
+            </a:r>
+            <a:r>
+              <a:rPr lang="fr-FR" dirty="0" err="1"/>
+              <a:t>Deflate</a:t>
+            </a:r>
+            <a:endParaRPr lang="fr-FR" dirty="0"/>
+          </a:p>
+          <a:p>
+            <a:pPr lvl="4"/>
+            <a:r>
+              <a:rPr lang="fr-FR" dirty="0"/>
+              <a:t>B-Cache pour les images </a:t>
             </a:r>
           </a:p>
         </p:txBody>
@@ -6573,31 +6850,35 @@
           </a:p>
         </p:txBody>
       </p:sp>
-      <p:sp>
-        <p:nvSpPr>
-          <p:cNvPr id="3" name="Espace réservé du contenu 2">
+      <p:pic>
+        <p:nvPicPr>
+          <p:cNvPr id="5" name="Image 4">
             <a:extLst>
               <a:ext uri="{FF2B5EF4-FFF2-40B4-BE49-F238E27FC236}">
-                <a16:creationId xmlns:a16="http://schemas.microsoft.com/office/drawing/2014/main" id="{B00182C8-7596-405F-97C3-82AC82B012C5}"/>
+                <a16:creationId xmlns:a16="http://schemas.microsoft.com/office/drawing/2014/main" id="{55014620-52BC-4084-9F64-F6DED73C4DEC}"/>
               </a:ext>
             </a:extLst>
           </p:cNvPr>
-          <p:cNvSpPr>
-            <a:spLocks noGrp="1"/>
-          </p:cNvSpPr>
-          <p:nvPr>
-            <p:ph idx="1"/>
-          </p:nvPr>
-        </p:nvSpPr>
-        <p:spPr/>
-        <p:txBody>
-          <a:bodyPr/>
-          <a:lstStyle/>
-          <a:p>
-            <a:endParaRPr lang="fr-FR"/>
-          </a:p>
-        </p:txBody>
-      </p:sp>
+          <p:cNvPicPr>
+            <a:picLocks noChangeAspect="1"/>
+          </p:cNvPicPr>
+          <p:nvPr/>
+        </p:nvPicPr>
+        <p:blipFill rotWithShape="1">
+          <a:blip r:embed="rId2"/>
+          <a:srcRect l="10000" t="16116" r="20270" b="27524"/>
+          <a:stretch/>
+        </p:blipFill>
+        <p:spPr>
+          <a:xfrm>
+            <a:off x="930876" y="1930400"/>
+            <a:ext cx="8501449" cy="3757829"/>
+          </a:xfrm>
+          <a:prstGeom prst="rect">
+            <a:avLst/>
+          </a:prstGeom>
+        </p:spPr>
+      </p:pic>
     </p:spTree>
     <p:extLst>
       <p:ext uri="{BB962C8B-B14F-4D97-AF65-F5344CB8AC3E}">
@@ -6651,7 +6932,7 @@
           <a:p>
             <a:r>
               <a:rPr lang="fr-FR" dirty="0"/>
-              <a:t>Structurer et hiérarchiser le code HTML</a:t>
+              <a:t>2-Structurer et hiérarchiser le code HTML</a:t>
             </a:r>
           </a:p>
         </p:txBody>
@@ -6690,7 +6971,7 @@
               <a:rPr lang="fr-FR" b="1" dirty="0">
                 <a:effectLst/>
               </a:rPr>
-              <a:t>Sémantique SEO : d'une page web, en effet nos deux pages ne contiennent que des </a:t>
+              <a:t>Sémantique SEO : d'une page web, en effet les pages ne contiennent que des </a:t>
             </a:r>
             <a:r>
               <a:rPr lang="fr-FR" b="1" dirty="0" err="1">
@@ -6702,6 +6983,15 @@
               <a:rPr lang="fr-FR" b="1" dirty="0"/>
               <a:t>.</a:t>
             </a:r>
+          </a:p>
+          <a:p>
+            <a:endParaRPr lang="fr-FR" b="1" dirty="0"/>
+          </a:p>
+          <a:p>
+            <a:endParaRPr lang="fr-FR" b="1" dirty="0"/>
+          </a:p>
+          <a:p>
+            <a:endParaRPr lang="fr-FR" b="1" dirty="0"/>
           </a:p>
           <a:p>
             <a:endParaRPr lang="fr-FR" b="1" dirty="0"/>
@@ -6730,6 +7020,171 @@
 </file>
 
 <file path=ppt/slides/slide6.xml><?xml version="1.0" encoding="utf-8"?>
+<p:sld xmlns:a="http://schemas.openxmlformats.org/drawingml/2006/main" xmlns:r="http://schemas.openxmlformats.org/officeDocument/2006/relationships" xmlns:p="http://schemas.openxmlformats.org/presentationml/2006/main">
+  <p:cSld>
+    <p:spTree>
+      <p:nvGrpSpPr>
+        <p:cNvPr id="1" name=""/>
+        <p:cNvGrpSpPr/>
+        <p:nvPr/>
+      </p:nvGrpSpPr>
+      <p:grpSpPr>
+        <a:xfrm>
+          <a:off x="0" y="0"/>
+          <a:ext cx="0" cy="0"/>
+          <a:chOff x="0" y="0"/>
+          <a:chExt cx="0" cy="0"/>
+        </a:xfrm>
+      </p:grpSpPr>
+      <p:sp>
+        <p:nvSpPr>
+          <p:cNvPr id="2" name="Titre 1">
+            <a:extLst>
+              <a:ext uri="{FF2B5EF4-FFF2-40B4-BE49-F238E27FC236}">
+                <a16:creationId xmlns:a16="http://schemas.microsoft.com/office/drawing/2014/main" id="{780319FF-1793-4A95-A8C7-74BEB4B4CF7B}"/>
+              </a:ext>
+            </a:extLst>
+          </p:cNvPr>
+          <p:cNvSpPr>
+            <a:spLocks noGrp="1"/>
+          </p:cNvSpPr>
+          <p:nvPr>
+            <p:ph type="title"/>
+          </p:nvPr>
+        </p:nvSpPr>
+        <p:spPr/>
+        <p:txBody>
+          <a:bodyPr/>
+          <a:lstStyle/>
+          <a:p>
+            <a:r>
+              <a:rPr lang="fr-FR" dirty="0"/>
+              <a:t>Travail effectué </a:t>
+            </a:r>
+          </a:p>
+        </p:txBody>
+      </p:sp>
+      <p:sp>
+        <p:nvSpPr>
+          <p:cNvPr id="3" name="Espace réservé du contenu 2">
+            <a:extLst>
+              <a:ext uri="{FF2B5EF4-FFF2-40B4-BE49-F238E27FC236}">
+                <a16:creationId xmlns:a16="http://schemas.microsoft.com/office/drawing/2014/main" id="{E5D283FA-4963-4A1E-B8D0-1F6072ED8511}"/>
+              </a:ext>
+            </a:extLst>
+          </p:cNvPr>
+          <p:cNvSpPr>
+            <a:spLocks noGrp="1"/>
+          </p:cNvSpPr>
+          <p:nvPr>
+            <p:ph idx="1"/>
+          </p:nvPr>
+        </p:nvSpPr>
+        <p:spPr/>
+        <p:txBody>
+          <a:bodyPr/>
+          <a:lstStyle/>
+          <a:p>
+            <a:r>
+              <a:rPr lang="fr-FR" dirty="0"/>
+              <a:t>D’un structure avec des </a:t>
+            </a:r>
+            <a:r>
+              <a:rPr lang="fr-FR" dirty="0" err="1"/>
+              <a:t>divs</a:t>
+            </a:r>
+            <a:r>
+              <a:rPr lang="fr-FR" dirty="0"/>
+              <a:t> j’ai structuré avec :</a:t>
+            </a:r>
+          </a:p>
+          <a:p>
+            <a:r>
+              <a:rPr lang="fr-FR" dirty="0"/>
+              <a:t>&lt;header&gt;</a:t>
+            </a:r>
+          </a:p>
+          <a:p>
+            <a:r>
+              <a:rPr lang="fr-FR" dirty="0"/>
+              <a:t>&lt;</a:t>
+            </a:r>
+            <a:r>
+              <a:rPr lang="fr-FR" dirty="0" err="1"/>
+              <a:t>nav</a:t>
+            </a:r>
+            <a:r>
+              <a:rPr lang="fr-FR" dirty="0"/>
+              <a:t>&gt;&lt;/</a:t>
+            </a:r>
+            <a:r>
+              <a:rPr lang="fr-FR" dirty="0" err="1"/>
+              <a:t>nav</a:t>
+            </a:r>
+            <a:r>
+              <a:rPr lang="fr-FR" dirty="0"/>
+              <a:t>&gt;</a:t>
+            </a:r>
+          </a:p>
+          <a:p>
+            <a:r>
+              <a:rPr lang="fr-FR" dirty="0"/>
+              <a:t>&lt;/header&gt;</a:t>
+            </a:r>
+          </a:p>
+          <a:p>
+            <a:r>
+              <a:rPr lang="fr-FR" dirty="0"/>
+              <a:t>Des &lt;sections&gt;&lt;/sections&gt;</a:t>
+            </a:r>
+          </a:p>
+          <a:p>
+            <a:r>
+              <a:rPr lang="fr-FR" dirty="0"/>
+              <a:t>Et un &lt;</a:t>
+            </a:r>
+            <a:r>
+              <a:rPr lang="fr-FR" dirty="0" err="1"/>
+              <a:t>footer</a:t>
+            </a:r>
+            <a:r>
+              <a:rPr lang="fr-FR" dirty="0"/>
+              <a:t>&gt;&lt;</a:t>
+            </a:r>
+            <a:r>
+              <a:rPr lang="fr-FR" dirty="0" err="1"/>
+              <a:t>footer</a:t>
+            </a:r>
+            <a:r>
+              <a:rPr lang="fr-FR" dirty="0"/>
+              <a:t>&gt;</a:t>
+            </a:r>
+          </a:p>
+          <a:p>
+            <a:endParaRPr lang="fr-FR" dirty="0"/>
+          </a:p>
+          <a:p>
+            <a:endParaRPr lang="fr-FR" dirty="0"/>
+          </a:p>
+          <a:p>
+            <a:endParaRPr lang="fr-FR" dirty="0"/>
+          </a:p>
+        </p:txBody>
+      </p:sp>
+    </p:spTree>
+    <p:extLst>
+      <p:ext uri="{BB962C8B-B14F-4D97-AF65-F5344CB8AC3E}">
+        <p14:creationId xmlns:p14="http://schemas.microsoft.com/office/powerpoint/2010/main" val="1431614766"/>
+      </p:ext>
+    </p:extLst>
+  </p:cSld>
+  <p:clrMapOvr>
+    <a:masterClrMapping/>
+  </p:clrMapOvr>
+</p:sld>
+</file>
+
+<file path=ppt/slides/slide7.xml><?xml version="1.0" encoding="utf-8"?>
 <p:sld xmlns:a="http://schemas.openxmlformats.org/drawingml/2006/main" xmlns:r="http://schemas.openxmlformats.org/officeDocument/2006/relationships" xmlns:p="http://schemas.openxmlformats.org/presentationml/2006/main">
   <p:cSld>
     <p:spTree>
@@ -6788,7 +7243,7 @@
 </p:sld>
 </file>
 
-<file path=ppt/slides/slide7.xml><?xml version="1.0" encoding="utf-8"?>
+<file path=ppt/slides/slide8.xml><?xml version="1.0" encoding="utf-8"?>
 <p:sld xmlns:a="http://schemas.openxmlformats.org/drawingml/2006/main" xmlns:r="http://schemas.openxmlformats.org/officeDocument/2006/relationships" xmlns:p="http://schemas.openxmlformats.org/presentationml/2006/main">
   <p:cSld>
     <p:spTree>
@@ -6847,7 +7302,7 @@
 </p:sld>
 </file>
 
-<file path=ppt/slides/slide8.xml><?xml version="1.0" encoding="utf-8"?>
+<file path=ppt/slides/slide9.xml><?xml version="1.0" encoding="utf-8"?>
 <p:sld xmlns:a="http://schemas.openxmlformats.org/drawingml/2006/main" xmlns:r="http://schemas.openxmlformats.org/officeDocument/2006/relationships" xmlns:p="http://schemas.openxmlformats.org/presentationml/2006/main">
   <p:cSld>
     <p:spTree>
@@ -6887,7 +7342,7 @@
           <a:p>
             <a:r>
               <a:rPr lang="fr-FR" dirty="0"/>
-              <a:t>Optimiser et ordonner les balises </a:t>
+              <a:t>3-Optimiser et ordonner les balises </a:t>
             </a:r>
             <a:r>
               <a:rPr lang="fr-FR" dirty="0" err="1"/>
@@ -6951,7 +7406,7 @@
           <a:p>
             <a:r>
               <a:rPr lang="fr-FR" dirty="0"/>
-              <a:t>Plus mots clés invisibles dans la page index:</a:t>
+              <a:t>Plus mots clés invisibles dans la page index :</a:t>
             </a:r>
           </a:p>
         </p:txBody>
@@ -7032,103 +7487,6 @@
     <p:extLst>
       <p:ext uri="{BB962C8B-B14F-4D97-AF65-F5344CB8AC3E}">
         <p14:creationId xmlns:p14="http://schemas.microsoft.com/office/powerpoint/2010/main" val="22213615"/>
-      </p:ext>
-    </p:extLst>
-  </p:cSld>
-  <p:clrMapOvr>
-    <a:masterClrMapping/>
-  </p:clrMapOvr>
-</p:sld>
-</file>
-
-<file path=ppt/slides/slide9.xml><?xml version="1.0" encoding="utf-8"?>
-<p:sld xmlns:a="http://schemas.openxmlformats.org/drawingml/2006/main" xmlns:r="http://schemas.openxmlformats.org/officeDocument/2006/relationships" xmlns:p="http://schemas.openxmlformats.org/presentationml/2006/main">
-  <p:cSld>
-    <p:spTree>
-      <p:nvGrpSpPr>
-        <p:cNvPr id="1" name=""/>
-        <p:cNvGrpSpPr/>
-        <p:nvPr/>
-      </p:nvGrpSpPr>
-      <p:grpSpPr>
-        <a:xfrm>
-          <a:off x="0" y="0"/>
-          <a:ext cx="0" cy="0"/>
-          <a:chOff x="0" y="0"/>
-          <a:chExt cx="0" cy="0"/>
-        </a:xfrm>
-      </p:grpSpPr>
-      <p:sp>
-        <p:nvSpPr>
-          <p:cNvPr id="2" name="Titre 1">
-            <a:extLst>
-              <a:ext uri="{FF2B5EF4-FFF2-40B4-BE49-F238E27FC236}">
-                <a16:creationId xmlns:a16="http://schemas.microsoft.com/office/drawing/2014/main" id="{A4B2476A-9401-427E-A39B-E7FF3E350414}"/>
-              </a:ext>
-            </a:extLst>
-          </p:cNvPr>
-          <p:cNvSpPr>
-            <a:spLocks noGrp="1"/>
-          </p:cNvSpPr>
-          <p:nvPr>
-            <p:ph type="title"/>
-          </p:nvPr>
-        </p:nvSpPr>
-        <p:spPr/>
-        <p:txBody>
-          <a:bodyPr/>
-          <a:lstStyle/>
-          <a:p>
-            <a:r>
-              <a:rPr lang="fr-FR" dirty="0"/>
-              <a:t>Définir des balises Open Graph</a:t>
-            </a:r>
-          </a:p>
-        </p:txBody>
-      </p:sp>
-      <p:sp>
-        <p:nvSpPr>
-          <p:cNvPr id="3" name="Espace réservé du contenu 2">
-            <a:extLst>
-              <a:ext uri="{FF2B5EF4-FFF2-40B4-BE49-F238E27FC236}">
-                <a16:creationId xmlns:a16="http://schemas.microsoft.com/office/drawing/2014/main" id="{A23267CF-474D-4A15-9416-4AC8DAA5AD0A}"/>
-              </a:ext>
-            </a:extLst>
-          </p:cNvPr>
-          <p:cNvSpPr>
-            <a:spLocks noGrp="1"/>
-          </p:cNvSpPr>
-          <p:nvPr>
-            <p:ph idx="1"/>
-          </p:nvPr>
-        </p:nvSpPr>
-        <p:spPr/>
-        <p:txBody>
-          <a:bodyPr/>
-          <a:lstStyle/>
-          <a:p>
-            <a:r>
-              <a:rPr lang="fr-FR" dirty="0"/>
-              <a:t>Intégrer </a:t>
-            </a:r>
-            <a:r>
-              <a:rPr lang="fr-FR" dirty="0" err="1"/>
-              <a:t>OpenGraph</a:t>
-            </a:r>
-            <a:r>
-              <a:rPr lang="fr-FR" dirty="0"/>
-              <a:t> réseau sociaux : Facebook, twitter, </a:t>
-            </a:r>
-          </a:p>
-          <a:p>
-            <a:endParaRPr lang="fr-FR" dirty="0"/>
-          </a:p>
-        </p:txBody>
-      </p:sp>
-    </p:spTree>
-    <p:extLst>
-      <p:ext uri="{BB962C8B-B14F-4D97-AF65-F5344CB8AC3E}">
-        <p14:creationId xmlns:p14="http://schemas.microsoft.com/office/powerpoint/2010/main" val="1709694674"/>
       </p:ext>
     </p:extLst>
   </p:cSld>

--- a/LA CHOUETTE.pptx
+++ b/LA CHOUETTE.pptx
@@ -16,9 +16,12 @@
     <p:sldId id="263" r:id="rId10"/>
     <p:sldId id="269" r:id="rId11"/>
     <p:sldId id="264" r:id="rId12"/>
-    <p:sldId id="265" r:id="rId13"/>
-    <p:sldId id="266" r:id="rId14"/>
-    <p:sldId id="267" r:id="rId15"/>
+    <p:sldId id="272" r:id="rId13"/>
+    <p:sldId id="270" r:id="rId14"/>
+    <p:sldId id="265" r:id="rId15"/>
+    <p:sldId id="273" r:id="rId16"/>
+    <p:sldId id="266" r:id="rId17"/>
+    <p:sldId id="267" r:id="rId18"/>
   </p:sldIdLst>
   <p:sldSz cx="12192000" cy="6858000"/>
   <p:notesSz cx="6858000" cy="9144000"/>
@@ -5909,6 +5912,12 @@
               <a:t>Agence de Web Design</a:t>
             </a:r>
           </a:p>
+          <a:p>
+            <a:r>
+              <a:rPr lang="fr-FR" dirty="0"/>
+              <a:t>https://nawak34.github.io/Chouette/</a:t>
+            </a:r>
+          </a:p>
         </p:txBody>
       </p:sp>
       <p:pic>
@@ -6156,7 +6165,13 @@
             </a:r>
             <a:r>
               <a:rPr lang="fr-FR" dirty="0"/>
-              <a:t> réseau sociaux : Facebook, twitter, </a:t>
+              <a:t> réseau sociaux : Facebook, twitter, ,,,</a:t>
+            </a:r>
+          </a:p>
+          <a:p>
+            <a:r>
+              <a:rPr lang="fr-FR" dirty="0"/>
+              <a:t>A l’air es réseaux sociaux,,,</a:t>
             </a:r>
           </a:p>
           <a:p>
@@ -6164,35 +6179,6 @@
           </a:p>
         </p:txBody>
       </p:sp>
-      <p:pic>
-        <p:nvPicPr>
-          <p:cNvPr id="5" name="Image 4">
-            <a:extLst>
-              <a:ext uri="{FF2B5EF4-FFF2-40B4-BE49-F238E27FC236}">
-                <a16:creationId xmlns:a16="http://schemas.microsoft.com/office/drawing/2014/main" id="{1ACF07F7-DA5B-484A-A04E-7D8859D4D222}"/>
-              </a:ext>
-            </a:extLst>
-          </p:cNvPr>
-          <p:cNvPicPr>
-            <a:picLocks noChangeAspect="1"/>
-          </p:cNvPicPr>
-          <p:nvPr/>
-        </p:nvPicPr>
-        <p:blipFill rotWithShape="1">
-          <a:blip r:embed="rId2"/>
-          <a:srcRect l="35474" t="22417" r="35539" b="7714"/>
-          <a:stretch/>
-        </p:blipFill>
-        <p:spPr>
-          <a:xfrm>
-            <a:off x="4324865" y="1589903"/>
-            <a:ext cx="3534032" cy="4658498"/>
-          </a:xfrm>
-          <a:prstGeom prst="rect">
-            <a:avLst/>
-          </a:prstGeom>
-        </p:spPr>
-      </p:pic>
     </p:spTree>
     <p:extLst>
       <p:ext uri="{BB962C8B-B14F-4D97-AF65-F5344CB8AC3E}">
@@ -6228,7 +6214,7 @@
           <p:cNvPr id="2" name="Titre 1">
             <a:extLst>
               <a:ext uri="{FF2B5EF4-FFF2-40B4-BE49-F238E27FC236}">
-                <a16:creationId xmlns:a16="http://schemas.microsoft.com/office/drawing/2014/main" id="{E53103CE-5075-476A-A24D-F6E8066A8F45}"/>
+                <a16:creationId xmlns:a16="http://schemas.microsoft.com/office/drawing/2014/main" id="{3CCD17B3-DD4F-4515-B3D8-E11696C42CE6}"/>
               </a:ext>
             </a:extLst>
           </p:cNvPr>
@@ -6246,7 +6232,7 @@
           <a:p>
             <a:r>
               <a:rPr lang="fr-FR" dirty="0"/>
-              <a:t>Gestion des scripts</a:t>
+              <a:t>Travail effectué</a:t>
             </a:r>
           </a:p>
         </p:txBody>
@@ -6256,7 +6242,7 @@
           <p:cNvPr id="3" name="Espace réservé du contenu 2">
             <a:extLst>
               <a:ext uri="{FF2B5EF4-FFF2-40B4-BE49-F238E27FC236}">
-                <a16:creationId xmlns:a16="http://schemas.microsoft.com/office/drawing/2014/main" id="{F8D5727A-033A-4EC8-8F2F-B53B36792F71}"/>
+                <a16:creationId xmlns:a16="http://schemas.microsoft.com/office/drawing/2014/main" id="{32AD49DE-EEFC-4386-84B1-7439789E984F}"/>
               </a:ext>
             </a:extLst>
           </p:cNvPr>
@@ -6274,23 +6260,28 @@
           <a:p>
             <a:r>
               <a:rPr lang="fr-FR" dirty="0"/>
-              <a:t>Pour une </a:t>
+              <a:t>Insertion des balises « </a:t>
             </a:r>
             <a:r>
               <a:rPr lang="fr-FR" dirty="0" err="1"/>
-              <a:t>seo</a:t>
+              <a:t>og</a:t>
             </a:r>
             <a:r>
               <a:rPr lang="fr-FR" dirty="0"/>
-              <a:t> les scripts doivent être appelés à la fin de la page</a:t>
-            </a:r>
+              <a:t> » </a:t>
+            </a:r>
+            <a:r>
+              <a:rPr lang="fr-FR" dirty="0" err="1"/>
+              <a:t>OpenGraph</a:t>
+            </a:r>
+            <a:endParaRPr lang="fr-FR" dirty="0"/>
           </a:p>
         </p:txBody>
       </p:sp>
     </p:spTree>
     <p:extLst>
       <p:ext uri="{BB962C8B-B14F-4D97-AF65-F5344CB8AC3E}">
-        <p14:creationId xmlns:p14="http://schemas.microsoft.com/office/powerpoint/2010/main" val="1580362125"/>
+        <p14:creationId xmlns:p14="http://schemas.microsoft.com/office/powerpoint/2010/main" val="178341729"/>
       </p:ext>
     </p:extLst>
   </p:cSld>
@@ -6322,7 +6313,7 @@
           <p:cNvPr id="2" name="Titre 1">
             <a:extLst>
               <a:ext uri="{FF2B5EF4-FFF2-40B4-BE49-F238E27FC236}">
-                <a16:creationId xmlns:a16="http://schemas.microsoft.com/office/drawing/2014/main" id="{6CD56250-DF0A-44EE-8476-ACC28686904C}"/>
+                <a16:creationId xmlns:a16="http://schemas.microsoft.com/office/drawing/2014/main" id="{D7CB1400-1A86-470E-822A-F35B32950254}"/>
               </a:ext>
             </a:extLst>
           </p:cNvPr>
@@ -6340,62 +6331,44 @@
           <a:p>
             <a:r>
               <a:rPr lang="fr-FR" dirty="0"/>
-              <a:t>Optimisé les url </a:t>
-            </a:r>
-          </a:p>
-        </p:txBody>
-      </p:sp>
-      <p:sp>
-        <p:nvSpPr>
-          <p:cNvPr id="3" name="Espace réservé du contenu 2">
+              <a:t>Résultat : </a:t>
+            </a:r>
+          </a:p>
+        </p:txBody>
+      </p:sp>
+      <p:pic>
+        <p:nvPicPr>
+          <p:cNvPr id="6" name="Image 5">
             <a:extLst>
               <a:ext uri="{FF2B5EF4-FFF2-40B4-BE49-F238E27FC236}">
-                <a16:creationId xmlns:a16="http://schemas.microsoft.com/office/drawing/2014/main" id="{39E074F7-9DE6-462B-A407-3841CE09ACF2}"/>
+                <a16:creationId xmlns:a16="http://schemas.microsoft.com/office/drawing/2014/main" id="{1E694263-DAB9-4C88-8347-04CDDBC35EA2}"/>
               </a:ext>
             </a:extLst>
           </p:cNvPr>
-          <p:cNvSpPr>
-            <a:spLocks noGrp="1"/>
-          </p:cNvSpPr>
-          <p:nvPr>
-            <p:ph idx="1"/>
-          </p:nvPr>
-        </p:nvSpPr>
-        <p:spPr/>
-        <p:txBody>
-          <a:bodyPr/>
-          <a:lstStyle/>
-          <a:p>
-            <a:r>
-              <a:rPr lang="fr-FR" dirty="0"/>
-              <a:t>Les liens </a:t>
-            </a:r>
-            <a:r>
-              <a:rPr lang="fr-FR" dirty="0" err="1"/>
-              <a:t>hypertexts</a:t>
-            </a:r>
-            <a:r>
-              <a:rPr lang="fr-FR" dirty="0"/>
-              <a:t> et les images ne possèdent pas d’alt ou </a:t>
-            </a:r>
-            <a:r>
-              <a:rPr lang="fr-FR" dirty="0" err="1"/>
-              <a:t>title</a:t>
-            </a:r>
-            <a:endParaRPr lang="fr-FR" dirty="0"/>
-          </a:p>
-          <a:p>
-            <a:r>
-              <a:rPr lang="fr-FR" dirty="0"/>
-              <a:t>Les liens des pages ne possèdent  pas de nom significatif</a:t>
-            </a:r>
-          </a:p>
-        </p:txBody>
-      </p:sp>
+          <p:cNvPicPr>
+            <a:picLocks noChangeAspect="1"/>
+          </p:cNvPicPr>
+          <p:nvPr/>
+        </p:nvPicPr>
+        <p:blipFill rotWithShape="1">
+          <a:blip r:embed="rId2"/>
+          <a:srcRect l="36217" t="23653" r="36958" b="9134"/>
+          <a:stretch/>
+        </p:blipFill>
+        <p:spPr>
+          <a:xfrm>
+            <a:off x="4415481" y="1672280"/>
+            <a:ext cx="3270422" cy="4481385"/>
+          </a:xfrm>
+          <a:prstGeom prst="rect">
+            <a:avLst/>
+          </a:prstGeom>
+        </p:spPr>
+      </p:pic>
     </p:spTree>
     <p:extLst>
       <p:ext uri="{BB962C8B-B14F-4D97-AF65-F5344CB8AC3E}">
-        <p14:creationId xmlns:p14="http://schemas.microsoft.com/office/powerpoint/2010/main" val="891688051"/>
+        <p14:creationId xmlns:p14="http://schemas.microsoft.com/office/powerpoint/2010/main" val="3076809636"/>
       </p:ext>
     </p:extLst>
   </p:cSld>
@@ -6427,6 +6400,300 @@
           <p:cNvPr id="2" name="Titre 1">
             <a:extLst>
               <a:ext uri="{FF2B5EF4-FFF2-40B4-BE49-F238E27FC236}">
+                <a16:creationId xmlns:a16="http://schemas.microsoft.com/office/drawing/2014/main" id="{E53103CE-5075-476A-A24D-F6E8066A8F45}"/>
+              </a:ext>
+            </a:extLst>
+          </p:cNvPr>
+          <p:cNvSpPr>
+            <a:spLocks noGrp="1"/>
+          </p:cNvSpPr>
+          <p:nvPr>
+            <p:ph type="title"/>
+          </p:nvPr>
+        </p:nvSpPr>
+        <p:spPr/>
+        <p:txBody>
+          <a:bodyPr/>
+          <a:lstStyle/>
+          <a:p>
+            <a:r>
+              <a:rPr lang="fr-FR" dirty="0"/>
+              <a:t>5- Gestion des scripts</a:t>
+            </a:r>
+          </a:p>
+        </p:txBody>
+      </p:sp>
+      <p:sp>
+        <p:nvSpPr>
+          <p:cNvPr id="3" name="Espace réservé du contenu 2">
+            <a:extLst>
+              <a:ext uri="{FF2B5EF4-FFF2-40B4-BE49-F238E27FC236}">
+                <a16:creationId xmlns:a16="http://schemas.microsoft.com/office/drawing/2014/main" id="{F8D5727A-033A-4EC8-8F2F-B53B36792F71}"/>
+              </a:ext>
+            </a:extLst>
+          </p:cNvPr>
+          <p:cNvSpPr>
+            <a:spLocks noGrp="1"/>
+          </p:cNvSpPr>
+          <p:nvPr>
+            <p:ph idx="1"/>
+          </p:nvPr>
+        </p:nvSpPr>
+        <p:spPr/>
+        <p:txBody>
+          <a:bodyPr/>
+          <a:lstStyle/>
+          <a:p>
+            <a:r>
+              <a:rPr lang="fr-FR" dirty="0"/>
+              <a:t>Pour une </a:t>
+            </a:r>
+            <a:r>
+              <a:rPr lang="fr-FR" dirty="0" err="1"/>
+              <a:t>seo</a:t>
+            </a:r>
+            <a:r>
+              <a:rPr lang="fr-FR" dirty="0"/>
+              <a:t> et une </a:t>
+            </a:r>
+            <a:r>
+              <a:rPr lang="fr-FR" dirty="0" err="1"/>
+              <a:t>accebilité</a:t>
+            </a:r>
+            <a:r>
+              <a:rPr lang="fr-FR" dirty="0"/>
+              <a:t> </a:t>
+            </a:r>
+            <a:r>
+              <a:rPr lang="fr-FR" dirty="0" err="1"/>
+              <a:t>acceléré</a:t>
+            </a:r>
+            <a:r>
+              <a:rPr lang="fr-FR" dirty="0"/>
+              <a:t> les scripts doivent être appelés à la fin de la page</a:t>
+            </a:r>
+          </a:p>
+        </p:txBody>
+      </p:sp>
+    </p:spTree>
+    <p:extLst>
+      <p:ext uri="{BB962C8B-B14F-4D97-AF65-F5344CB8AC3E}">
+        <p14:creationId xmlns:p14="http://schemas.microsoft.com/office/powerpoint/2010/main" val="1580362125"/>
+      </p:ext>
+    </p:extLst>
+  </p:cSld>
+  <p:clrMapOvr>
+    <a:masterClrMapping/>
+  </p:clrMapOvr>
+</p:sld>
+</file>
+
+<file path=ppt/slides/slide15.xml><?xml version="1.0" encoding="utf-8"?>
+<p:sld xmlns:a="http://schemas.openxmlformats.org/drawingml/2006/main" xmlns:r="http://schemas.openxmlformats.org/officeDocument/2006/relationships" xmlns:p="http://schemas.openxmlformats.org/presentationml/2006/main">
+  <p:cSld>
+    <p:spTree>
+      <p:nvGrpSpPr>
+        <p:cNvPr id="1" name=""/>
+        <p:cNvGrpSpPr/>
+        <p:nvPr/>
+      </p:nvGrpSpPr>
+      <p:grpSpPr>
+        <a:xfrm>
+          <a:off x="0" y="0"/>
+          <a:ext cx="0" cy="0"/>
+          <a:chOff x="0" y="0"/>
+          <a:chExt cx="0" cy="0"/>
+        </a:xfrm>
+      </p:grpSpPr>
+      <p:sp>
+        <p:nvSpPr>
+          <p:cNvPr id="2" name="Titre 1">
+            <a:extLst>
+              <a:ext uri="{FF2B5EF4-FFF2-40B4-BE49-F238E27FC236}">
+                <a16:creationId xmlns:a16="http://schemas.microsoft.com/office/drawing/2014/main" id="{29D0533C-78B8-4F16-B359-7A42EED1CA42}"/>
+              </a:ext>
+            </a:extLst>
+          </p:cNvPr>
+          <p:cNvSpPr>
+            <a:spLocks noGrp="1"/>
+          </p:cNvSpPr>
+          <p:nvPr>
+            <p:ph type="title"/>
+          </p:nvPr>
+        </p:nvSpPr>
+        <p:spPr/>
+        <p:txBody>
+          <a:bodyPr/>
+          <a:lstStyle/>
+          <a:p>
+            <a:r>
+              <a:rPr lang="fr-FR" dirty="0"/>
+              <a:t>Les javas </a:t>
+            </a:r>
+          </a:p>
+        </p:txBody>
+      </p:sp>
+      <p:pic>
+        <p:nvPicPr>
+          <p:cNvPr id="5" name="Image 4">
+            <a:extLst>
+              <a:ext uri="{FF2B5EF4-FFF2-40B4-BE49-F238E27FC236}">
+                <a16:creationId xmlns:a16="http://schemas.microsoft.com/office/drawing/2014/main" id="{D82CB015-4492-489B-A78A-3055BAD5ABAF}"/>
+              </a:ext>
+            </a:extLst>
+          </p:cNvPr>
+          <p:cNvPicPr>
+            <a:picLocks noChangeAspect="1"/>
+          </p:cNvPicPr>
+          <p:nvPr/>
+        </p:nvPicPr>
+        <p:blipFill rotWithShape="1">
+          <a:blip r:embed="rId2"/>
+          <a:srcRect t="6750" r="36689" b="22943"/>
+          <a:stretch/>
+        </p:blipFill>
+        <p:spPr>
+          <a:xfrm>
+            <a:off x="1116241" y="2026507"/>
+            <a:ext cx="7718854" cy="4703806"/>
+          </a:xfrm>
+          <a:prstGeom prst="rect">
+            <a:avLst/>
+          </a:prstGeom>
+        </p:spPr>
+      </p:pic>
+    </p:spTree>
+    <p:extLst>
+      <p:ext uri="{BB962C8B-B14F-4D97-AF65-F5344CB8AC3E}">
+        <p14:creationId xmlns:p14="http://schemas.microsoft.com/office/powerpoint/2010/main" val="3630861482"/>
+      </p:ext>
+    </p:extLst>
+  </p:cSld>
+  <p:clrMapOvr>
+    <a:masterClrMapping/>
+  </p:clrMapOvr>
+</p:sld>
+</file>
+
+<file path=ppt/slides/slide16.xml><?xml version="1.0" encoding="utf-8"?>
+<p:sld xmlns:a="http://schemas.openxmlformats.org/drawingml/2006/main" xmlns:r="http://schemas.openxmlformats.org/officeDocument/2006/relationships" xmlns:p="http://schemas.openxmlformats.org/presentationml/2006/main">
+  <p:cSld>
+    <p:spTree>
+      <p:nvGrpSpPr>
+        <p:cNvPr id="1" name=""/>
+        <p:cNvGrpSpPr/>
+        <p:nvPr/>
+      </p:nvGrpSpPr>
+      <p:grpSpPr>
+        <a:xfrm>
+          <a:off x="0" y="0"/>
+          <a:ext cx="0" cy="0"/>
+          <a:chOff x="0" y="0"/>
+          <a:chExt cx="0" cy="0"/>
+        </a:xfrm>
+      </p:grpSpPr>
+      <p:sp>
+        <p:nvSpPr>
+          <p:cNvPr id="2" name="Titre 1">
+            <a:extLst>
+              <a:ext uri="{FF2B5EF4-FFF2-40B4-BE49-F238E27FC236}">
+                <a16:creationId xmlns:a16="http://schemas.microsoft.com/office/drawing/2014/main" id="{6CD56250-DF0A-44EE-8476-ACC28686904C}"/>
+              </a:ext>
+            </a:extLst>
+          </p:cNvPr>
+          <p:cNvSpPr>
+            <a:spLocks noGrp="1"/>
+          </p:cNvSpPr>
+          <p:nvPr>
+            <p:ph type="title"/>
+          </p:nvPr>
+        </p:nvSpPr>
+        <p:spPr/>
+        <p:txBody>
+          <a:bodyPr/>
+          <a:lstStyle/>
+          <a:p>
+            <a:r>
+              <a:rPr lang="fr-FR" dirty="0"/>
+              <a:t>7- Optimisé les url </a:t>
+            </a:r>
+          </a:p>
+        </p:txBody>
+      </p:sp>
+      <p:sp>
+        <p:nvSpPr>
+          <p:cNvPr id="3" name="Espace réservé du contenu 2">
+            <a:extLst>
+              <a:ext uri="{FF2B5EF4-FFF2-40B4-BE49-F238E27FC236}">
+                <a16:creationId xmlns:a16="http://schemas.microsoft.com/office/drawing/2014/main" id="{39E074F7-9DE6-462B-A407-3841CE09ACF2}"/>
+              </a:ext>
+            </a:extLst>
+          </p:cNvPr>
+          <p:cNvSpPr>
+            <a:spLocks noGrp="1"/>
+          </p:cNvSpPr>
+          <p:nvPr>
+            <p:ph idx="1"/>
+          </p:nvPr>
+        </p:nvSpPr>
+        <p:spPr/>
+        <p:txBody>
+          <a:bodyPr/>
+          <a:lstStyle/>
+          <a:p>
+            <a:r>
+              <a:rPr lang="fr-FR" dirty="0"/>
+              <a:t>Les liens hypertextes et les images ne possèdent pas d’alt ou </a:t>
+            </a:r>
+            <a:r>
+              <a:rPr lang="fr-FR" dirty="0" err="1"/>
+              <a:t>title</a:t>
+            </a:r>
+            <a:endParaRPr lang="fr-FR" dirty="0"/>
+          </a:p>
+          <a:p>
+            <a:r>
+              <a:rPr lang="fr-FR" dirty="0"/>
+              <a:t>Les liens des pages ne possèdent  pas de nom significatif</a:t>
+            </a:r>
+          </a:p>
+        </p:txBody>
+      </p:sp>
+    </p:spTree>
+    <p:extLst>
+      <p:ext uri="{BB962C8B-B14F-4D97-AF65-F5344CB8AC3E}">
+        <p14:creationId xmlns:p14="http://schemas.microsoft.com/office/powerpoint/2010/main" val="891688051"/>
+      </p:ext>
+    </p:extLst>
+  </p:cSld>
+  <p:clrMapOvr>
+    <a:masterClrMapping/>
+  </p:clrMapOvr>
+</p:sld>
+</file>
+
+<file path=ppt/slides/slide17.xml><?xml version="1.0" encoding="utf-8"?>
+<p:sld xmlns:a="http://schemas.openxmlformats.org/drawingml/2006/main" xmlns:r="http://schemas.openxmlformats.org/officeDocument/2006/relationships" xmlns:p="http://schemas.openxmlformats.org/presentationml/2006/main">
+  <p:cSld>
+    <p:spTree>
+      <p:nvGrpSpPr>
+        <p:cNvPr id="1" name=""/>
+        <p:cNvGrpSpPr/>
+        <p:nvPr/>
+      </p:nvGrpSpPr>
+      <p:grpSpPr>
+        <a:xfrm>
+          <a:off x="0" y="0"/>
+          <a:ext cx="0" cy="0"/>
+          <a:chOff x="0" y="0"/>
+          <a:chExt cx="0" cy="0"/>
+        </a:xfrm>
+      </p:grpSpPr>
+      <p:sp>
+        <p:nvSpPr>
+          <p:cNvPr id="2" name="Titre 1">
+            <a:extLst>
+              <a:ext uri="{FF2B5EF4-FFF2-40B4-BE49-F238E27FC236}">
                 <a16:creationId xmlns:a16="http://schemas.microsoft.com/office/drawing/2014/main" id="{705020E3-8B6F-4701-AC16-7FF795443A86}"/>
               </a:ext>
             </a:extLst>
@@ -6443,35 +6710,81 @@
           <a:bodyPr/>
           <a:lstStyle/>
           <a:p>
-            <a:endParaRPr lang="fr-FR"/>
-          </a:p>
-        </p:txBody>
-      </p:sp>
-      <p:sp>
-        <p:nvSpPr>
-          <p:cNvPr id="3" name="Espace réservé du contenu 2">
+            <a:r>
+              <a:rPr lang="fr-FR" dirty="0"/>
+              <a:t>8-Code Html et </a:t>
+            </a:r>
+            <a:r>
+              <a:rPr lang="fr-FR" dirty="0" err="1"/>
+              <a:t>CSS</a:t>
+            </a:r>
+            <a:r>
+              <a:rPr lang="fr-FR" dirty="0"/>
+              <a:t> optimisé w3c</a:t>
+            </a:r>
+          </a:p>
+        </p:txBody>
+      </p:sp>
+      <p:pic>
+        <p:nvPicPr>
+          <p:cNvPr id="5" name="Image 4">
+            <a:hlinkClick r:id="rId2"/>
             <a:extLst>
               <a:ext uri="{FF2B5EF4-FFF2-40B4-BE49-F238E27FC236}">
-                <a16:creationId xmlns:a16="http://schemas.microsoft.com/office/drawing/2014/main" id="{1B87E53F-A2E1-406A-8C71-E4189892C213}"/>
+                <a16:creationId xmlns:a16="http://schemas.microsoft.com/office/drawing/2014/main" id="{EE76361B-E6D4-4533-B1BF-07AED63DAF93}"/>
               </a:ext>
             </a:extLst>
           </p:cNvPr>
-          <p:cNvSpPr>
-            <a:spLocks noGrp="1"/>
-          </p:cNvSpPr>
-          <p:nvPr>
-            <p:ph idx="1"/>
-          </p:nvPr>
-        </p:nvSpPr>
-        <p:spPr/>
-        <p:txBody>
-          <a:bodyPr/>
-          <a:lstStyle/>
-          <a:p>
-            <a:endParaRPr lang="fr-FR"/>
-          </a:p>
-        </p:txBody>
-      </p:sp>
+          <p:cNvPicPr>
+            <a:picLocks noChangeAspect="1"/>
+          </p:cNvPicPr>
+          <p:nvPr/>
+        </p:nvPicPr>
+        <p:blipFill rotWithShape="1">
+          <a:blip r:embed="rId3"/>
+          <a:srcRect t="27524" r="42905" b="10819"/>
+          <a:stretch/>
+        </p:blipFill>
+        <p:spPr>
+          <a:xfrm>
+            <a:off x="2611395" y="1329038"/>
+            <a:ext cx="4472945" cy="2641600"/>
+          </a:xfrm>
+          <a:prstGeom prst="rect">
+            <a:avLst/>
+          </a:prstGeom>
+        </p:spPr>
+      </p:pic>
+      <p:pic>
+        <p:nvPicPr>
+          <p:cNvPr id="7" name="Image 6">
+            <a:hlinkClick r:id="rId2"/>
+            <a:extLst>
+              <a:ext uri="{FF2B5EF4-FFF2-40B4-BE49-F238E27FC236}">
+                <a16:creationId xmlns:a16="http://schemas.microsoft.com/office/drawing/2014/main" id="{83CE7054-0EC4-4878-B4D0-BD6D630A4025}"/>
+              </a:ext>
+            </a:extLst>
+          </p:cNvPr>
+          <p:cNvPicPr>
+            <a:picLocks noChangeAspect="1"/>
+          </p:cNvPicPr>
+          <p:nvPr/>
+        </p:nvPicPr>
+        <p:blipFill rotWithShape="1">
+          <a:blip r:embed="rId4"/>
+          <a:srcRect t="15128" r="39459" b="26433"/>
+          <a:stretch/>
+        </p:blipFill>
+        <p:spPr>
+          <a:xfrm>
+            <a:off x="2611395" y="4262861"/>
+            <a:ext cx="4472945" cy="2361275"/>
+          </a:xfrm>
+          <a:prstGeom prst="rect">
+            <a:avLst/>
+          </a:prstGeom>
+        </p:spPr>
+      </p:pic>
     </p:spTree>
     <p:extLst>
       <p:ext uri="{BB962C8B-B14F-4D97-AF65-F5344CB8AC3E}">

--- a/LA CHOUETTE.pptx
+++ b/LA CHOUETTE.pptx
@@ -9,19 +9,20 @@
     <p:sldId id="257" r:id="rId3"/>
     <p:sldId id="258" r:id="rId4"/>
     <p:sldId id="259" r:id="rId5"/>
-    <p:sldId id="260" r:id="rId6"/>
-    <p:sldId id="268" r:id="rId7"/>
-    <p:sldId id="262" r:id="rId8"/>
-    <p:sldId id="261" r:id="rId9"/>
-    <p:sldId id="263" r:id="rId10"/>
-    <p:sldId id="269" r:id="rId11"/>
-    <p:sldId id="264" r:id="rId12"/>
-    <p:sldId id="272" r:id="rId13"/>
-    <p:sldId id="270" r:id="rId14"/>
-    <p:sldId id="265" r:id="rId15"/>
-    <p:sldId id="273" r:id="rId16"/>
-    <p:sldId id="266" r:id="rId17"/>
-    <p:sldId id="267" r:id="rId18"/>
+    <p:sldId id="274" r:id="rId6"/>
+    <p:sldId id="260" r:id="rId7"/>
+    <p:sldId id="268" r:id="rId8"/>
+    <p:sldId id="262" r:id="rId9"/>
+    <p:sldId id="261" r:id="rId10"/>
+    <p:sldId id="263" r:id="rId11"/>
+    <p:sldId id="269" r:id="rId12"/>
+    <p:sldId id="264" r:id="rId13"/>
+    <p:sldId id="272" r:id="rId14"/>
+    <p:sldId id="270" r:id="rId15"/>
+    <p:sldId id="265" r:id="rId16"/>
+    <p:sldId id="273" r:id="rId17"/>
+    <p:sldId id="266" r:id="rId18"/>
+    <p:sldId id="267" r:id="rId19"/>
   </p:sldIdLst>
   <p:sldSz cx="12192000" cy="6858000"/>
   <p:notesSz cx="6858000" cy="9144000"/>
@@ -850,7 +851,7 @@
           <a:p>
             <a:fld id="{78ABE3C1-DBE1-495D-B57B-2849774B866A}" type="datetimeFigureOut">
               <a:rPr lang="en-US" smtClean="0"/>
-              <a:t>9/5/2021</a:t>
+              <a:t>9/6/2021</a:t>
             </a:fld>
             <a:endParaRPr lang="en-US" dirty="0"/>
           </a:p>
@@ -1101,7 +1102,7 @@
           <a:p>
             <a:fld id="{9D6E9DEC-419B-4CC5-A080-3B06BD5A8291}" type="datetimeFigureOut">
               <a:rPr lang="en-US" smtClean="0"/>
-              <a:t>9/5/2021</a:t>
+              <a:t>9/6/2021</a:t>
             </a:fld>
             <a:endParaRPr lang="en-US" dirty="0"/>
           </a:p>
@@ -1417,7 +1418,7 @@
           <a:p>
             <a:fld id="{9D6E9DEC-419B-4CC5-A080-3B06BD5A8291}" type="datetimeFigureOut">
               <a:rPr lang="en-US" smtClean="0"/>
-              <a:t>9/5/2021</a:t>
+              <a:t>9/6/2021</a:t>
             </a:fld>
             <a:endParaRPr lang="en-US" dirty="0"/>
           </a:p>
@@ -1760,7 +1761,7 @@
           <a:p>
             <a:fld id="{9D6E9DEC-419B-4CC5-A080-3B06BD5A8291}" type="datetimeFigureOut">
               <a:rPr lang="en-US" smtClean="0"/>
-              <a:t>9/5/2021</a:t>
+              <a:t>9/6/2021</a:t>
             </a:fld>
             <a:endParaRPr lang="en-US" dirty="0"/>
           </a:p>
@@ -2076,7 +2077,7 @@
           <a:p>
             <a:fld id="{9D6E9DEC-419B-4CC5-A080-3B06BD5A8291}" type="datetimeFigureOut">
               <a:rPr lang="en-US" smtClean="0"/>
-              <a:t>9/5/2021</a:t>
+              <a:t>9/6/2021</a:t>
             </a:fld>
             <a:endParaRPr lang="en-US" dirty="0"/>
           </a:p>
@@ -2471,7 +2472,7 @@
           <a:p>
             <a:fld id="{9D6E9DEC-419B-4CC5-A080-3B06BD5A8291}" type="datetimeFigureOut">
               <a:rPr lang="en-US" smtClean="0"/>
-              <a:t>9/5/2021</a:t>
+              <a:t>9/6/2021</a:t>
             </a:fld>
             <a:endParaRPr lang="en-US" dirty="0"/>
           </a:p>
@@ -2643,7 +2644,7 @@
           <a:p>
             <a:fld id="{1FA3F48C-C7C6-4055-9F49-3777875E72AE}" type="datetimeFigureOut">
               <a:rPr lang="en-US" smtClean="0"/>
-              <a:t>9/5/2021</a:t>
+              <a:t>9/6/2021</a:t>
             </a:fld>
             <a:endParaRPr lang="en-US" dirty="0"/>
           </a:p>
@@ -2823,7 +2824,7 @@
           <a:p>
             <a:fld id="{6178E61D-D431-422C-9764-11DAFE33AB63}" type="datetimeFigureOut">
               <a:rPr lang="en-US" smtClean="0"/>
-              <a:t>9/5/2021</a:t>
+              <a:t>9/6/2021</a:t>
             </a:fld>
             <a:endParaRPr lang="en-US" dirty="0"/>
           </a:p>
@@ -3000,7 +3001,7 @@
           <a:p>
             <a:fld id="{12DE42F4-6EEF-4EF7-8ED4-2208F0F89A08}" type="datetimeFigureOut">
               <a:rPr lang="en-US" smtClean="0"/>
-              <a:t>9/5/2021</a:t>
+              <a:t>9/6/2021</a:t>
             </a:fld>
             <a:endParaRPr lang="en-US" dirty="0"/>
           </a:p>
@@ -3247,7 +3248,7 @@
           <a:p>
             <a:fld id="{30578ACC-22D6-47C1-A373-4FD133E34F3C}" type="datetimeFigureOut">
               <a:rPr lang="en-US" smtClean="0"/>
-              <a:t>9/5/2021</a:t>
+              <a:t>9/6/2021</a:t>
             </a:fld>
             <a:endParaRPr lang="en-US" dirty="0"/>
           </a:p>
@@ -3479,7 +3480,7 @@
           <a:p>
             <a:fld id="{4E5A6C69-6797-4E8A-BF37-F2C3751466E9}" type="datetimeFigureOut">
               <a:rPr lang="en-US" smtClean="0"/>
-              <a:t>9/5/2021</a:t>
+              <a:t>9/6/2021</a:t>
             </a:fld>
             <a:endParaRPr lang="en-US" dirty="0"/>
           </a:p>
@@ -3853,7 +3854,7 @@
           <a:p>
             <a:fld id="{D82014A1-A632-4878-A0D3-F52BA7563730}" type="datetimeFigureOut">
               <a:rPr lang="en-US" smtClean="0"/>
-              <a:t>9/5/2021</a:t>
+              <a:t>9/6/2021</a:t>
             </a:fld>
             <a:endParaRPr lang="en-US" dirty="0"/>
           </a:p>
@@ -3976,7 +3977,7 @@
           <a:p>
             <a:fld id="{CE99F462-093F-4566-844B-4C71F2739DA5}" type="datetimeFigureOut">
               <a:rPr lang="en-US" smtClean="0"/>
-              <a:t>9/5/2021</a:t>
+              <a:t>9/6/2021</a:t>
             </a:fld>
             <a:endParaRPr lang="en-US" dirty="0"/>
           </a:p>
@@ -4071,7 +4072,7 @@
           <a:p>
             <a:fld id="{3D24A7AC-904D-4781-85BA-7D10C17ED021}" type="datetimeFigureOut">
               <a:rPr lang="en-US" smtClean="0"/>
-              <a:t>9/5/2021</a:t>
+              <a:t>9/6/2021</a:t>
             </a:fld>
             <a:endParaRPr lang="en-US" dirty="0"/>
           </a:p>
@@ -4326,7 +4327,7 @@
           <a:p>
             <a:fld id="{E331444B-B92B-4E27-8C94-BB93EAF5CB18}" type="datetimeFigureOut">
               <a:rPr lang="en-US" smtClean="0"/>
-              <a:t>9/5/2021</a:t>
+              <a:t>9/6/2021</a:t>
             </a:fld>
             <a:endParaRPr lang="en-US" dirty="0"/>
           </a:p>
@@ -4589,7 +4590,7 @@
           <a:p>
             <a:fld id="{363EFA5E-FA76-400D-B3DC-F0BA90E6D107}" type="datetimeFigureOut">
               <a:rPr lang="en-US" smtClean="0"/>
-              <a:t>9/5/2021</a:t>
+              <a:t>9/6/2021</a:t>
             </a:fld>
             <a:endParaRPr lang="en-US" dirty="0"/>
           </a:p>
@@ -5332,7 +5333,7 @@
           <a:p>
             <a:fld id="{9D6E9DEC-419B-4CC5-A080-3B06BD5A8291}" type="datetimeFigureOut">
               <a:rPr lang="en-US" smtClean="0"/>
-              <a:t>9/5/2021</a:t>
+              <a:t>9/6/2021</a:t>
             </a:fld>
             <a:endParaRPr lang="en-US" dirty="0"/>
           </a:p>
@@ -5992,7 +5993,7 @@
           <p:cNvPr id="2" name="Titre 1">
             <a:extLst>
               <a:ext uri="{FF2B5EF4-FFF2-40B4-BE49-F238E27FC236}">
-                <a16:creationId xmlns:a16="http://schemas.microsoft.com/office/drawing/2014/main" id="{5CD6A2BE-79A2-45D0-AB1C-67D889F96D52}"/>
+                <a16:creationId xmlns:a16="http://schemas.microsoft.com/office/drawing/2014/main" id="{0CCB306D-095B-450F-BE7F-02F5754D8D5B}"/>
               </a:ext>
             </a:extLst>
           </p:cNvPr>
@@ -6010,8 +6011,13 @@
           <a:p>
             <a:r>
               <a:rPr lang="fr-FR" dirty="0"/>
-              <a:t>Travail effectué</a:t>
-            </a:r>
+              <a:t>3-Optimiser et ordonner les balises </a:t>
+            </a:r>
+            <a:r>
+              <a:rPr lang="fr-FR" dirty="0" err="1"/>
+              <a:t>meta</a:t>
+            </a:r>
+            <a:endParaRPr lang="fr-FR" dirty="0"/>
           </a:p>
         </p:txBody>
       </p:sp>
@@ -6020,7 +6026,7 @@
           <p:cNvPr id="3" name="Espace réservé du contenu 2">
             <a:extLst>
               <a:ext uri="{FF2B5EF4-FFF2-40B4-BE49-F238E27FC236}">
-                <a16:creationId xmlns:a16="http://schemas.microsoft.com/office/drawing/2014/main" id="{A90DA42C-C5E6-40B5-A06E-A0C86AC23D01}"/>
+                <a16:creationId xmlns:a16="http://schemas.microsoft.com/office/drawing/2014/main" id="{DD1A5433-1ED0-4B89-A4F6-BAA145C061F8}"/>
               </a:ext>
             </a:extLst>
           </p:cNvPr>
@@ -6038,29 +6044,7 @@
           <a:p>
             <a:r>
               <a:rPr lang="fr-FR" dirty="0"/>
-              <a:t>Une </a:t>
-            </a:r>
-            <a:r>
-              <a:rPr lang="fr-FR" dirty="0" err="1"/>
-              <a:t>meta</a:t>
-            </a:r>
-            <a:r>
-              <a:rPr lang="fr-FR" dirty="0"/>
-              <a:t> description avec pas plus de 240 caractères une </a:t>
-            </a:r>
-            <a:r>
-              <a:rPr lang="fr-FR" dirty="0" err="1"/>
-              <a:t>sescrption</a:t>
-            </a:r>
-            <a:r>
-              <a:rPr lang="fr-FR" dirty="0"/>
-              <a:t> succinct et relatant l’activité de l’agence</a:t>
-            </a:r>
-          </a:p>
-          <a:p>
-            <a:r>
-              <a:rPr lang="fr-FR" dirty="0"/>
-              <a:t>Une balise </a:t>
+              <a:t>La balise Meta </a:t>
             </a:r>
             <a:r>
               <a:rPr lang="fr-FR" dirty="0" err="1"/>
@@ -6068,18 +6052,110 @@
             </a:r>
             <a:r>
               <a:rPr lang="fr-FR" dirty="0"/>
-              <a:t> pertinente</a:t>
-            </a:r>
-          </a:p>
-          <a:p>
+              <a:t> et description non optimisés</a:t>
+            </a:r>
+          </a:p>
+          <a:p>
+            <a:r>
+              <a:rPr lang="fr-FR" dirty="0"/>
+              <a:t>Insérer la balise </a:t>
+            </a:r>
+            <a:r>
+              <a:rPr lang="fr-FR" dirty="0" err="1"/>
+              <a:t>canoninque</a:t>
+            </a:r>
             <a:endParaRPr lang="fr-FR" dirty="0"/>
+          </a:p>
+          <a:p>
+            <a:r>
+              <a:rPr lang="fr-FR" dirty="0"/>
+              <a:t>Ordonné et commenté </a:t>
+            </a:r>
+          </a:p>
+          <a:p>
+            <a:r>
+              <a:rPr lang="fr-FR" dirty="0"/>
+              <a:t>Plus mots clés invisibles dans la page index :</a:t>
+            </a:r>
+          </a:p>
+        </p:txBody>
+      </p:sp>
+      <p:pic>
+        <p:nvPicPr>
+          <p:cNvPr id="5" name="Image 4">
+            <a:extLst>
+              <a:ext uri="{FF2B5EF4-FFF2-40B4-BE49-F238E27FC236}">
+                <a16:creationId xmlns:a16="http://schemas.microsoft.com/office/drawing/2014/main" id="{93D19F54-599A-4D41-B324-C9836A46C409}"/>
+              </a:ext>
+            </a:extLst>
+          </p:cNvPr>
+          <p:cNvPicPr>
+            <a:picLocks noChangeAspect="1"/>
+          </p:cNvPicPr>
+          <p:nvPr/>
+        </p:nvPicPr>
+        <p:blipFill rotWithShape="1">
+          <a:blip r:embed="rId2"/>
+          <a:srcRect l="33275" t="22522" r="36620" b="28138"/>
+          <a:stretch/>
+        </p:blipFill>
+        <p:spPr>
+          <a:xfrm>
+            <a:off x="7547020" y="3236533"/>
+            <a:ext cx="3670479" cy="3382136"/>
+          </a:xfrm>
+          <a:prstGeom prst="rect">
+            <a:avLst/>
+          </a:prstGeom>
+        </p:spPr>
+      </p:pic>
+      <p:sp>
+        <p:nvSpPr>
+          <p:cNvPr id="7" name="ZoneTexte 6">
+            <a:extLst>
+              <a:ext uri="{FF2B5EF4-FFF2-40B4-BE49-F238E27FC236}">
+                <a16:creationId xmlns:a16="http://schemas.microsoft.com/office/drawing/2014/main" id="{22A618E3-00E0-458E-9DD6-87A108631FF1}"/>
+              </a:ext>
+            </a:extLst>
+          </p:cNvPr>
+          <p:cNvSpPr txBox="1"/>
+          <p:nvPr/>
+        </p:nvSpPr>
+        <p:spPr>
+          <a:xfrm>
+            <a:off x="677334" y="5129686"/>
+            <a:ext cx="6104586" cy="1200329"/>
+          </a:xfrm>
+          <a:prstGeom prst="rect">
+            <a:avLst/>
+          </a:prstGeom>
+          <a:noFill/>
+        </p:spPr>
+        <p:txBody>
+          <a:bodyPr wrap="square">
+            <a:spAutoFit/>
+          </a:bodyPr>
+          <a:lstStyle/>
+          <a:p>
+            <a:r>
+              <a:rPr lang="fr-FR" dirty="0"/>
+              <a:t>&lt;div class="keywords" style="</a:t>
+            </a:r>
+            <a:r>
+              <a:rPr lang="fr-FR" dirty="0" err="1"/>
+              <a:t>color</a:t>
+            </a:r>
+            <a:r>
+              <a:rPr lang="fr-FR" dirty="0"/>
+              <a:t>:#F3976C;"&gt;Agence web à paris, stratégie web, web design, illustrations, design de site web, site web, web, internet, site internet, site&lt;/div&gt;</a:t>
+            </a:r>
           </a:p>
         </p:txBody>
       </p:sp>
     </p:spTree>
     <p:extLst>
       <p:ext uri="{BB962C8B-B14F-4D97-AF65-F5344CB8AC3E}">
-        <p14:creationId xmlns:p14="http://schemas.microsoft.com/office/powerpoint/2010/main" val="2784581560"/>
+        <p14:creationId xmlns:p14="http://schemas.microsoft.com/office/powerpoint/2010/main" val="22213615"/>
       </p:ext>
     </p:extLst>
   </p:cSld>
@@ -6111,7 +6187,7 @@
           <p:cNvPr id="2" name="Titre 1">
             <a:extLst>
               <a:ext uri="{FF2B5EF4-FFF2-40B4-BE49-F238E27FC236}">
-                <a16:creationId xmlns:a16="http://schemas.microsoft.com/office/drawing/2014/main" id="{A4B2476A-9401-427E-A39B-E7FF3E350414}"/>
+                <a16:creationId xmlns:a16="http://schemas.microsoft.com/office/drawing/2014/main" id="{5CD6A2BE-79A2-45D0-AB1C-67D889F96D52}"/>
               </a:ext>
             </a:extLst>
           </p:cNvPr>
@@ -6129,7 +6205,7 @@
           <a:p>
             <a:r>
               <a:rPr lang="fr-FR" dirty="0"/>
-              <a:t>4-Définir des balises Open Graph</a:t>
+              <a:t>Travail effectué</a:t>
             </a:r>
           </a:p>
         </p:txBody>
@@ -6139,7 +6215,7 @@
           <p:cNvPr id="3" name="Espace réservé du contenu 2">
             <a:extLst>
               <a:ext uri="{FF2B5EF4-FFF2-40B4-BE49-F238E27FC236}">
-                <a16:creationId xmlns:a16="http://schemas.microsoft.com/office/drawing/2014/main" id="{A23267CF-474D-4A15-9416-4AC8DAA5AD0A}"/>
+                <a16:creationId xmlns:a16="http://schemas.microsoft.com/office/drawing/2014/main" id="{A90DA42C-C5E6-40B5-A06E-A0C86AC23D01}"/>
               </a:ext>
             </a:extLst>
           </p:cNvPr>
@@ -6157,21 +6233,37 @@
           <a:p>
             <a:r>
               <a:rPr lang="fr-FR" dirty="0"/>
-              <a:t>Intégrer </a:t>
+              <a:t>Une </a:t>
             </a:r>
             <a:r>
               <a:rPr lang="fr-FR" dirty="0" err="1"/>
-              <a:t>OpenGraph</a:t>
+              <a:t>meta</a:t>
             </a:r>
             <a:r>
               <a:rPr lang="fr-FR" dirty="0"/>
-              <a:t> réseau sociaux : Facebook, twitter, ,,,</a:t>
-            </a:r>
-          </a:p>
-          <a:p>
+              <a:t> description avec pas plus de 240 caractères une </a:t>
+            </a:r>
+            <a:r>
+              <a:rPr lang="fr-FR" dirty="0" err="1"/>
+              <a:t>sescrption</a:t>
+            </a:r>
             <a:r>
               <a:rPr lang="fr-FR" dirty="0"/>
-              <a:t>A l’air es réseaux sociaux,,,</a:t>
+              <a:t> succinct et relatant l’activité de l’agence</a:t>
+            </a:r>
+          </a:p>
+          <a:p>
+            <a:r>
+              <a:rPr lang="fr-FR" dirty="0"/>
+              <a:t>Une balise </a:t>
+            </a:r>
+            <a:r>
+              <a:rPr lang="fr-FR" dirty="0" err="1"/>
+              <a:t>title</a:t>
+            </a:r>
+            <a:r>
+              <a:rPr lang="fr-FR" dirty="0"/>
+              <a:t> pertinente</a:t>
             </a:r>
           </a:p>
           <a:p>
@@ -6182,7 +6274,7 @@
     </p:spTree>
     <p:extLst>
       <p:ext uri="{BB962C8B-B14F-4D97-AF65-F5344CB8AC3E}">
-        <p14:creationId xmlns:p14="http://schemas.microsoft.com/office/powerpoint/2010/main" val="1709694674"/>
+        <p14:creationId xmlns:p14="http://schemas.microsoft.com/office/powerpoint/2010/main" val="2784581560"/>
       </p:ext>
     </p:extLst>
   </p:cSld>
@@ -6214,6 +6306,109 @@
           <p:cNvPr id="2" name="Titre 1">
             <a:extLst>
               <a:ext uri="{FF2B5EF4-FFF2-40B4-BE49-F238E27FC236}">
+                <a16:creationId xmlns:a16="http://schemas.microsoft.com/office/drawing/2014/main" id="{A4B2476A-9401-427E-A39B-E7FF3E350414}"/>
+              </a:ext>
+            </a:extLst>
+          </p:cNvPr>
+          <p:cNvSpPr>
+            <a:spLocks noGrp="1"/>
+          </p:cNvSpPr>
+          <p:nvPr>
+            <p:ph type="title"/>
+          </p:nvPr>
+        </p:nvSpPr>
+        <p:spPr/>
+        <p:txBody>
+          <a:bodyPr/>
+          <a:lstStyle/>
+          <a:p>
+            <a:r>
+              <a:rPr lang="fr-FR" dirty="0"/>
+              <a:t>4-Définir des balises Open Graph</a:t>
+            </a:r>
+          </a:p>
+        </p:txBody>
+      </p:sp>
+      <p:sp>
+        <p:nvSpPr>
+          <p:cNvPr id="3" name="Espace réservé du contenu 2">
+            <a:extLst>
+              <a:ext uri="{FF2B5EF4-FFF2-40B4-BE49-F238E27FC236}">
+                <a16:creationId xmlns:a16="http://schemas.microsoft.com/office/drawing/2014/main" id="{A23267CF-474D-4A15-9416-4AC8DAA5AD0A}"/>
+              </a:ext>
+            </a:extLst>
+          </p:cNvPr>
+          <p:cNvSpPr>
+            <a:spLocks noGrp="1"/>
+          </p:cNvSpPr>
+          <p:nvPr>
+            <p:ph idx="1"/>
+          </p:nvPr>
+        </p:nvSpPr>
+        <p:spPr/>
+        <p:txBody>
+          <a:bodyPr/>
+          <a:lstStyle/>
+          <a:p>
+            <a:r>
+              <a:rPr lang="fr-FR" dirty="0"/>
+              <a:t>Intégrer </a:t>
+            </a:r>
+            <a:r>
+              <a:rPr lang="fr-FR" dirty="0" err="1"/>
+              <a:t>OpenGraph</a:t>
+            </a:r>
+            <a:r>
+              <a:rPr lang="fr-FR" dirty="0"/>
+              <a:t> réseau sociaux : Facebook, twitter, ,,,</a:t>
+            </a:r>
+          </a:p>
+          <a:p>
+            <a:r>
+              <a:rPr lang="fr-FR" dirty="0"/>
+              <a:t>A l’air es réseaux sociaux,,,</a:t>
+            </a:r>
+          </a:p>
+          <a:p>
+            <a:endParaRPr lang="fr-FR" dirty="0"/>
+          </a:p>
+        </p:txBody>
+      </p:sp>
+    </p:spTree>
+    <p:extLst>
+      <p:ext uri="{BB962C8B-B14F-4D97-AF65-F5344CB8AC3E}">
+        <p14:creationId xmlns:p14="http://schemas.microsoft.com/office/powerpoint/2010/main" val="1709694674"/>
+      </p:ext>
+    </p:extLst>
+  </p:cSld>
+  <p:clrMapOvr>
+    <a:masterClrMapping/>
+  </p:clrMapOvr>
+</p:sld>
+</file>
+
+<file path=ppt/slides/slide13.xml><?xml version="1.0" encoding="utf-8"?>
+<p:sld xmlns:a="http://schemas.openxmlformats.org/drawingml/2006/main" xmlns:r="http://schemas.openxmlformats.org/officeDocument/2006/relationships" xmlns:p="http://schemas.openxmlformats.org/presentationml/2006/main">
+  <p:cSld>
+    <p:spTree>
+      <p:nvGrpSpPr>
+        <p:cNvPr id="1" name=""/>
+        <p:cNvGrpSpPr/>
+        <p:nvPr/>
+      </p:nvGrpSpPr>
+      <p:grpSpPr>
+        <a:xfrm>
+          <a:off x="0" y="0"/>
+          <a:ext cx="0" cy="0"/>
+          <a:chOff x="0" y="0"/>
+          <a:chExt cx="0" cy="0"/>
+        </a:xfrm>
+      </p:grpSpPr>
+      <p:sp>
+        <p:nvSpPr>
+          <p:cNvPr id="2" name="Titre 1">
+            <a:extLst>
+              <a:ext uri="{FF2B5EF4-FFF2-40B4-BE49-F238E27FC236}">
                 <a16:creationId xmlns:a16="http://schemas.microsoft.com/office/drawing/2014/main" id="{3CCD17B3-DD4F-4515-B3D8-E11696C42CE6}"/>
               </a:ext>
             </a:extLst>
@@ -6291,7 +6486,7 @@
 </p:sld>
 </file>
 
-<file path=ppt/slides/slide13.xml><?xml version="1.0" encoding="utf-8"?>
+<file path=ppt/slides/slide14.xml><?xml version="1.0" encoding="utf-8"?>
 <p:sld xmlns:a="http://schemas.openxmlformats.org/drawingml/2006/main" xmlns:r="http://schemas.openxmlformats.org/officeDocument/2006/relationships" xmlns:p="http://schemas.openxmlformats.org/presentationml/2006/main">
   <p:cSld>
     <p:spTree>
@@ -6378,7 +6573,7 @@
 </p:sld>
 </file>
 
-<file path=ppt/slides/slide14.xml><?xml version="1.0" encoding="utf-8"?>
+<file path=ppt/slides/slide15.xml><?xml version="1.0" encoding="utf-8"?>
 <p:sld xmlns:a="http://schemas.openxmlformats.org/drawingml/2006/main" xmlns:r="http://schemas.openxmlformats.org/officeDocument/2006/relationships" xmlns:p="http://schemas.openxmlformats.org/presentationml/2006/main">
   <p:cSld>
     <p:spTree>
@@ -6488,7 +6683,7 @@
 </p:sld>
 </file>
 
-<file path=ppt/slides/slide15.xml><?xml version="1.0" encoding="utf-8"?>
+<file path=ppt/slides/slide16.xml><?xml version="1.0" encoding="utf-8"?>
 <p:sld xmlns:a="http://schemas.openxmlformats.org/drawingml/2006/main" xmlns:r="http://schemas.openxmlformats.org/officeDocument/2006/relationships" xmlns:p="http://schemas.openxmlformats.org/presentationml/2006/main">
   <p:cSld>
     <p:spTree>
@@ -6575,7 +6770,7 @@
 </p:sld>
 </file>
 
-<file path=ppt/slides/slide16.xml><?xml version="1.0" encoding="utf-8"?>
+<file path=ppt/slides/slide17.xml><?xml version="1.0" encoding="utf-8"?>
 <p:sld xmlns:a="http://schemas.openxmlformats.org/drawingml/2006/main" xmlns:r="http://schemas.openxmlformats.org/officeDocument/2006/relationships" xmlns:p="http://schemas.openxmlformats.org/presentationml/2006/main">
   <p:cSld>
     <p:spTree>
@@ -6672,7 +6867,7 @@
 </p:sld>
 </file>
 
-<file path=ppt/slides/slide17.xml><?xml version="1.0" encoding="utf-8"?>
+<file path=ppt/slides/slide18.xml><?xml version="1.0" encoding="utf-8"?>
 <p:sld xmlns:a="http://schemas.openxmlformats.org/drawingml/2006/main" xmlns:r="http://schemas.openxmlformats.org/officeDocument/2006/relationships" xmlns:p="http://schemas.openxmlformats.org/presentationml/2006/main">
   <p:cSld>
     <p:spTree>
@@ -7227,7 +7422,7 @@
           <p:cNvPr id="2" name="Titre 1">
             <a:extLst>
               <a:ext uri="{FF2B5EF4-FFF2-40B4-BE49-F238E27FC236}">
-                <a16:creationId xmlns:a16="http://schemas.microsoft.com/office/drawing/2014/main" id="{B078074E-F18B-48C0-994A-D7D2AF124DC9}"/>
+                <a16:creationId xmlns:a16="http://schemas.microsoft.com/office/drawing/2014/main" id="{E549A18E-9804-471B-B8A8-A680E53C3CE4}"/>
               </a:ext>
             </a:extLst>
           </p:cNvPr>
@@ -7238,91 +7433,63 @@
             <p:ph type="title"/>
           </p:nvPr>
         </p:nvSpPr>
-        <p:spPr/>
+        <p:spPr>
+          <a:xfrm>
+            <a:off x="611431" y="148281"/>
+            <a:ext cx="8596668" cy="1320800"/>
+          </a:xfrm>
+        </p:spPr>
         <p:txBody>
           <a:bodyPr/>
           <a:lstStyle/>
           <a:p>
             <a:r>
               <a:rPr lang="fr-FR" dirty="0"/>
-              <a:t>2-Structurer et hiérarchiser le code HTML</a:t>
-            </a:r>
-          </a:p>
-        </p:txBody>
-      </p:sp>
-      <p:sp>
-        <p:nvSpPr>
-          <p:cNvPr id="3" name="Espace réservé du contenu 2">
+              <a:t>Comparaison </a:t>
+            </a:r>
+          </a:p>
+        </p:txBody>
+      </p:sp>
+      <p:pic>
+        <p:nvPicPr>
+          <p:cNvPr id="4" name="Image 3">
             <a:extLst>
               <a:ext uri="{FF2B5EF4-FFF2-40B4-BE49-F238E27FC236}">
-                <a16:creationId xmlns:a16="http://schemas.microsoft.com/office/drawing/2014/main" id="{757ABFBF-11FC-4FCD-95EC-40DFD244ACE5}"/>
+                <a16:creationId xmlns:a16="http://schemas.microsoft.com/office/drawing/2014/main" id="{06A0995A-1498-46CE-9849-EBAE96F9EF0A}"/>
               </a:ext>
             </a:extLst>
           </p:cNvPr>
-          <p:cNvSpPr>
-            <a:spLocks noGrp="1"/>
-          </p:cNvSpPr>
-          <p:nvPr>
-            <p:ph idx="1"/>
-          </p:nvPr>
-        </p:nvSpPr>
+          <p:cNvPicPr>
+            <a:picLocks noChangeAspect="1"/>
+          </p:cNvPicPr>
+          <p:nvPr/>
+        </p:nvPicPr>
+        <p:blipFill rotWithShape="1">
+          <a:blip r:embed="rId2"/>
+          <a:srcRect l="14488" t="13274" r="15001"/>
+          <a:stretch/>
+        </p:blipFill>
         <p:spPr>
           <a:xfrm>
-            <a:off x="677333" y="2160589"/>
-            <a:ext cx="8750001" cy="3880773"/>
+            <a:off x="926271" y="996778"/>
+            <a:ext cx="8596669" cy="5782447"/>
           </a:xfrm>
+          <a:prstGeom prst="rect">
+            <a:avLst/>
+          </a:prstGeom>
+          <a:effectLst>
+            <a:outerShdw blurRad="63500" sx="102000" sy="102000" algn="ctr" rotWithShape="0">
+              <a:prstClr val="black">
+                <a:alpha val="40000"/>
+              </a:prstClr>
+            </a:outerShdw>
+          </a:effectLst>
         </p:spPr>
-        <p:txBody>
-          <a:bodyPr/>
-          <a:lstStyle/>
-          <a:p>
-            <a:r>
-              <a:rPr lang="fr-FR" dirty="0"/>
-              <a:t>Le code Html des deux pages ne respectent pas la structure  </a:t>
-            </a:r>
-            <a:r>
-              <a:rPr lang="fr-FR" b="1" dirty="0">
-                <a:effectLst/>
-              </a:rPr>
-              <a:t>Sémantique SEO : d'une page web, en effet les pages ne contiennent que des </a:t>
-            </a:r>
-            <a:r>
-              <a:rPr lang="fr-FR" b="1" dirty="0" err="1">
-                <a:effectLst/>
-              </a:rPr>
-              <a:t>divs</a:t>
-            </a:r>
-            <a:r>
-              <a:rPr lang="fr-FR" b="1" dirty="0"/>
-              <a:t>.</a:t>
-            </a:r>
-          </a:p>
-          <a:p>
-            <a:endParaRPr lang="fr-FR" b="1" dirty="0"/>
-          </a:p>
-          <a:p>
-            <a:endParaRPr lang="fr-FR" b="1" dirty="0"/>
-          </a:p>
-          <a:p>
-            <a:endParaRPr lang="fr-FR" b="1" dirty="0"/>
-          </a:p>
-          <a:p>
-            <a:endParaRPr lang="fr-FR" b="1" dirty="0"/>
-          </a:p>
-          <a:p>
-            <a:endParaRPr lang="fr-FR" b="1" dirty="0">
-              <a:effectLst/>
-            </a:endParaRPr>
-          </a:p>
-          <a:p>
-            <a:endParaRPr lang="fr-FR" dirty="0"/>
-          </a:p>
-        </p:txBody>
-      </p:sp>
+      </p:pic>
     </p:spTree>
     <p:extLst>
       <p:ext uri="{BB962C8B-B14F-4D97-AF65-F5344CB8AC3E}">
-        <p14:creationId xmlns:p14="http://schemas.microsoft.com/office/powerpoint/2010/main" val="2434099710"/>
+        <p14:creationId xmlns:p14="http://schemas.microsoft.com/office/powerpoint/2010/main" val="1632919731"/>
       </p:ext>
     </p:extLst>
   </p:cSld>
@@ -7354,6 +7521,133 @@
           <p:cNvPr id="2" name="Titre 1">
             <a:extLst>
               <a:ext uri="{FF2B5EF4-FFF2-40B4-BE49-F238E27FC236}">
+                <a16:creationId xmlns:a16="http://schemas.microsoft.com/office/drawing/2014/main" id="{B078074E-F18B-48C0-994A-D7D2AF124DC9}"/>
+              </a:ext>
+            </a:extLst>
+          </p:cNvPr>
+          <p:cNvSpPr>
+            <a:spLocks noGrp="1"/>
+          </p:cNvSpPr>
+          <p:nvPr>
+            <p:ph type="title"/>
+          </p:nvPr>
+        </p:nvSpPr>
+        <p:spPr/>
+        <p:txBody>
+          <a:bodyPr/>
+          <a:lstStyle/>
+          <a:p>
+            <a:r>
+              <a:rPr lang="fr-FR" dirty="0"/>
+              <a:t>2-Structurer et hiérarchiser le code HTML</a:t>
+            </a:r>
+          </a:p>
+        </p:txBody>
+      </p:sp>
+      <p:sp>
+        <p:nvSpPr>
+          <p:cNvPr id="3" name="Espace réservé du contenu 2">
+            <a:extLst>
+              <a:ext uri="{FF2B5EF4-FFF2-40B4-BE49-F238E27FC236}">
+                <a16:creationId xmlns:a16="http://schemas.microsoft.com/office/drawing/2014/main" id="{757ABFBF-11FC-4FCD-95EC-40DFD244ACE5}"/>
+              </a:ext>
+            </a:extLst>
+          </p:cNvPr>
+          <p:cNvSpPr>
+            <a:spLocks noGrp="1"/>
+          </p:cNvSpPr>
+          <p:nvPr>
+            <p:ph idx="1"/>
+          </p:nvPr>
+        </p:nvSpPr>
+        <p:spPr>
+          <a:xfrm>
+            <a:off x="677333" y="2160589"/>
+            <a:ext cx="8750001" cy="3880773"/>
+          </a:xfrm>
+        </p:spPr>
+        <p:txBody>
+          <a:bodyPr/>
+          <a:lstStyle/>
+          <a:p>
+            <a:r>
+              <a:rPr lang="fr-FR" dirty="0"/>
+              <a:t>Le code Html des deux pages ne respectent pas la structure  </a:t>
+            </a:r>
+            <a:r>
+              <a:rPr lang="fr-FR" b="1" dirty="0">
+                <a:effectLst/>
+              </a:rPr>
+              <a:t>Sémantique SEO : d'une page web, en effet les pages ne contiennent que des </a:t>
+            </a:r>
+            <a:r>
+              <a:rPr lang="fr-FR" b="1" dirty="0" err="1">
+                <a:effectLst/>
+              </a:rPr>
+              <a:t>divs</a:t>
+            </a:r>
+            <a:r>
+              <a:rPr lang="fr-FR" b="1" dirty="0"/>
+              <a:t>.</a:t>
+            </a:r>
+          </a:p>
+          <a:p>
+            <a:endParaRPr lang="fr-FR" b="1" dirty="0"/>
+          </a:p>
+          <a:p>
+            <a:endParaRPr lang="fr-FR" b="1" dirty="0"/>
+          </a:p>
+          <a:p>
+            <a:endParaRPr lang="fr-FR" b="1" dirty="0"/>
+          </a:p>
+          <a:p>
+            <a:endParaRPr lang="fr-FR" b="1" dirty="0"/>
+          </a:p>
+          <a:p>
+            <a:endParaRPr lang="fr-FR" b="1" dirty="0">
+              <a:effectLst/>
+            </a:endParaRPr>
+          </a:p>
+          <a:p>
+            <a:endParaRPr lang="fr-FR" dirty="0"/>
+          </a:p>
+        </p:txBody>
+      </p:sp>
+    </p:spTree>
+    <p:extLst>
+      <p:ext uri="{BB962C8B-B14F-4D97-AF65-F5344CB8AC3E}">
+        <p14:creationId xmlns:p14="http://schemas.microsoft.com/office/powerpoint/2010/main" val="2434099710"/>
+      </p:ext>
+    </p:extLst>
+  </p:cSld>
+  <p:clrMapOvr>
+    <a:masterClrMapping/>
+  </p:clrMapOvr>
+</p:sld>
+</file>
+
+<file path=ppt/slides/slide7.xml><?xml version="1.0" encoding="utf-8"?>
+<p:sld xmlns:a="http://schemas.openxmlformats.org/drawingml/2006/main" xmlns:r="http://schemas.openxmlformats.org/officeDocument/2006/relationships" xmlns:p="http://schemas.openxmlformats.org/presentationml/2006/main">
+  <p:cSld>
+    <p:spTree>
+      <p:nvGrpSpPr>
+        <p:cNvPr id="1" name=""/>
+        <p:cNvGrpSpPr/>
+        <p:nvPr/>
+      </p:nvGrpSpPr>
+      <p:grpSpPr>
+        <a:xfrm>
+          <a:off x="0" y="0"/>
+          <a:ext cx="0" cy="0"/>
+          <a:chOff x="0" y="0"/>
+          <a:chExt cx="0" cy="0"/>
+        </a:xfrm>
+      </p:grpSpPr>
+      <p:sp>
+        <p:nvSpPr>
+          <p:cNvPr id="2" name="Titre 1">
+            <a:extLst>
+              <a:ext uri="{FF2B5EF4-FFF2-40B4-BE49-F238E27FC236}">
                 <a16:creationId xmlns:a16="http://schemas.microsoft.com/office/drawing/2014/main" id="{780319FF-1793-4A95-A8C7-74BEB4B4CF7B}"/>
               </a:ext>
             </a:extLst>
@@ -7497,7 +7791,7 @@
 </p:sld>
 </file>
 
-<file path=ppt/slides/slide7.xml><?xml version="1.0" encoding="utf-8"?>
+<file path=ppt/slides/slide8.xml><?xml version="1.0" encoding="utf-8"?>
 <p:sld xmlns:a="http://schemas.openxmlformats.org/drawingml/2006/main" xmlns:r="http://schemas.openxmlformats.org/officeDocument/2006/relationships" xmlns:p="http://schemas.openxmlformats.org/presentationml/2006/main">
   <p:cSld>
     <p:spTree>
@@ -7556,7 +7850,7 @@
 </p:sld>
 </file>
 
-<file path=ppt/slides/slide8.xml><?xml version="1.0" encoding="utf-8"?>
+<file path=ppt/slides/slide9.xml><?xml version="1.0" encoding="utf-8"?>
 <p:sld xmlns:a="http://schemas.openxmlformats.org/drawingml/2006/main" xmlns:r="http://schemas.openxmlformats.org/officeDocument/2006/relationships" xmlns:p="http://schemas.openxmlformats.org/presentationml/2006/main">
   <p:cSld>
     <p:spTree>
@@ -7606,200 +7900,6 @@
     <p:extLst>
       <p:ext uri="{BB962C8B-B14F-4D97-AF65-F5344CB8AC3E}">
         <p14:creationId xmlns:p14="http://schemas.microsoft.com/office/powerpoint/2010/main" val="4036320108"/>
-      </p:ext>
-    </p:extLst>
-  </p:cSld>
-  <p:clrMapOvr>
-    <a:masterClrMapping/>
-  </p:clrMapOvr>
-</p:sld>
-</file>
-
-<file path=ppt/slides/slide9.xml><?xml version="1.0" encoding="utf-8"?>
-<p:sld xmlns:a="http://schemas.openxmlformats.org/drawingml/2006/main" xmlns:r="http://schemas.openxmlformats.org/officeDocument/2006/relationships" xmlns:p="http://schemas.openxmlformats.org/presentationml/2006/main">
-  <p:cSld>
-    <p:spTree>
-      <p:nvGrpSpPr>
-        <p:cNvPr id="1" name=""/>
-        <p:cNvGrpSpPr/>
-        <p:nvPr/>
-      </p:nvGrpSpPr>
-      <p:grpSpPr>
-        <a:xfrm>
-          <a:off x="0" y="0"/>
-          <a:ext cx="0" cy="0"/>
-          <a:chOff x="0" y="0"/>
-          <a:chExt cx="0" cy="0"/>
-        </a:xfrm>
-      </p:grpSpPr>
-      <p:sp>
-        <p:nvSpPr>
-          <p:cNvPr id="2" name="Titre 1">
-            <a:extLst>
-              <a:ext uri="{FF2B5EF4-FFF2-40B4-BE49-F238E27FC236}">
-                <a16:creationId xmlns:a16="http://schemas.microsoft.com/office/drawing/2014/main" id="{0CCB306D-095B-450F-BE7F-02F5754D8D5B}"/>
-              </a:ext>
-            </a:extLst>
-          </p:cNvPr>
-          <p:cNvSpPr>
-            <a:spLocks noGrp="1"/>
-          </p:cNvSpPr>
-          <p:nvPr>
-            <p:ph type="title"/>
-          </p:nvPr>
-        </p:nvSpPr>
-        <p:spPr/>
-        <p:txBody>
-          <a:bodyPr/>
-          <a:lstStyle/>
-          <a:p>
-            <a:r>
-              <a:rPr lang="fr-FR" dirty="0"/>
-              <a:t>3-Optimiser et ordonner les balises </a:t>
-            </a:r>
-            <a:r>
-              <a:rPr lang="fr-FR" dirty="0" err="1"/>
-              <a:t>meta</a:t>
-            </a:r>
-            <a:endParaRPr lang="fr-FR" dirty="0"/>
-          </a:p>
-        </p:txBody>
-      </p:sp>
-      <p:sp>
-        <p:nvSpPr>
-          <p:cNvPr id="3" name="Espace réservé du contenu 2">
-            <a:extLst>
-              <a:ext uri="{FF2B5EF4-FFF2-40B4-BE49-F238E27FC236}">
-                <a16:creationId xmlns:a16="http://schemas.microsoft.com/office/drawing/2014/main" id="{DD1A5433-1ED0-4B89-A4F6-BAA145C061F8}"/>
-              </a:ext>
-            </a:extLst>
-          </p:cNvPr>
-          <p:cNvSpPr>
-            <a:spLocks noGrp="1"/>
-          </p:cNvSpPr>
-          <p:nvPr>
-            <p:ph idx="1"/>
-          </p:nvPr>
-        </p:nvSpPr>
-        <p:spPr/>
-        <p:txBody>
-          <a:bodyPr/>
-          <a:lstStyle/>
-          <a:p>
-            <a:r>
-              <a:rPr lang="fr-FR" dirty="0"/>
-              <a:t>La balise Meta </a:t>
-            </a:r>
-            <a:r>
-              <a:rPr lang="fr-FR" dirty="0" err="1"/>
-              <a:t>title</a:t>
-            </a:r>
-            <a:r>
-              <a:rPr lang="fr-FR" dirty="0"/>
-              <a:t> et description non optimisés</a:t>
-            </a:r>
-          </a:p>
-          <a:p>
-            <a:r>
-              <a:rPr lang="fr-FR" dirty="0"/>
-              <a:t>Insérer la balise </a:t>
-            </a:r>
-            <a:r>
-              <a:rPr lang="fr-FR" dirty="0" err="1"/>
-              <a:t>canoninque</a:t>
-            </a:r>
-            <a:endParaRPr lang="fr-FR" dirty="0"/>
-          </a:p>
-          <a:p>
-            <a:r>
-              <a:rPr lang="fr-FR" dirty="0"/>
-              <a:t>Ordonné et commenté </a:t>
-            </a:r>
-          </a:p>
-          <a:p>
-            <a:r>
-              <a:rPr lang="fr-FR" dirty="0"/>
-              <a:t>Plus mots clés invisibles dans la page index :</a:t>
-            </a:r>
-          </a:p>
-        </p:txBody>
-      </p:sp>
-      <p:pic>
-        <p:nvPicPr>
-          <p:cNvPr id="5" name="Image 4">
-            <a:extLst>
-              <a:ext uri="{FF2B5EF4-FFF2-40B4-BE49-F238E27FC236}">
-                <a16:creationId xmlns:a16="http://schemas.microsoft.com/office/drawing/2014/main" id="{93D19F54-599A-4D41-B324-C9836A46C409}"/>
-              </a:ext>
-            </a:extLst>
-          </p:cNvPr>
-          <p:cNvPicPr>
-            <a:picLocks noChangeAspect="1"/>
-          </p:cNvPicPr>
-          <p:nvPr/>
-        </p:nvPicPr>
-        <p:blipFill rotWithShape="1">
-          <a:blip r:embed="rId2"/>
-          <a:srcRect l="33275" t="22522" r="36620" b="28138"/>
-          <a:stretch/>
-        </p:blipFill>
-        <p:spPr>
-          <a:xfrm>
-            <a:off x="7547020" y="3236533"/>
-            <a:ext cx="3670479" cy="3382136"/>
-          </a:xfrm>
-          <a:prstGeom prst="rect">
-            <a:avLst/>
-          </a:prstGeom>
-        </p:spPr>
-      </p:pic>
-      <p:sp>
-        <p:nvSpPr>
-          <p:cNvPr id="7" name="ZoneTexte 6">
-            <a:extLst>
-              <a:ext uri="{FF2B5EF4-FFF2-40B4-BE49-F238E27FC236}">
-                <a16:creationId xmlns:a16="http://schemas.microsoft.com/office/drawing/2014/main" id="{22A618E3-00E0-458E-9DD6-87A108631FF1}"/>
-              </a:ext>
-            </a:extLst>
-          </p:cNvPr>
-          <p:cNvSpPr txBox="1"/>
-          <p:nvPr/>
-        </p:nvSpPr>
-        <p:spPr>
-          <a:xfrm>
-            <a:off x="677334" y="5129686"/>
-            <a:ext cx="6104586" cy="1200329"/>
-          </a:xfrm>
-          <a:prstGeom prst="rect">
-            <a:avLst/>
-          </a:prstGeom>
-          <a:noFill/>
-        </p:spPr>
-        <p:txBody>
-          <a:bodyPr wrap="square">
-            <a:spAutoFit/>
-          </a:bodyPr>
-          <a:lstStyle/>
-          <a:p>
-            <a:r>
-              <a:rPr lang="fr-FR" dirty="0"/>
-              <a:t>&lt;div class="keywords" style="</a:t>
-            </a:r>
-            <a:r>
-              <a:rPr lang="fr-FR" dirty="0" err="1"/>
-              <a:t>color</a:t>
-            </a:r>
-            <a:r>
-              <a:rPr lang="fr-FR" dirty="0"/>
-              <a:t>:#F3976C;"&gt;Agence web à paris, stratégie web, web design, illustrations, design de site web, site web, web, internet, site internet, site&lt;/div&gt;</a:t>
-            </a:r>
-          </a:p>
-        </p:txBody>
-      </p:sp>
-    </p:spTree>
-    <p:extLst>
-      <p:ext uri="{BB962C8B-B14F-4D97-AF65-F5344CB8AC3E}">
-        <p14:creationId xmlns:p14="http://schemas.microsoft.com/office/powerpoint/2010/main" val="22213615"/>
       </p:ext>
     </p:extLst>
   </p:cSld>

--- a/LA CHOUETTE.pptx
+++ b/LA CHOUETTE.pptx
@@ -23,6 +23,7 @@
     <p:sldId id="273" r:id="rId17"/>
     <p:sldId id="266" r:id="rId18"/>
     <p:sldId id="267" r:id="rId19"/>
+    <p:sldId id="275" r:id="rId20"/>
   </p:sldIdLst>
   <p:sldSz cx="12192000" cy="6858000"/>
   <p:notesSz cx="6858000" cy="9144000"/>
@@ -6360,13 +6361,13 @@
             </a:r>
             <a:r>
               <a:rPr lang="fr-FR" dirty="0"/>
-              <a:t> réseau sociaux : Facebook, twitter, ,,,</a:t>
+              <a:t> réseau sociaux : Facebook, twitter.</a:t>
             </a:r>
           </a:p>
           <a:p>
             <a:r>
               <a:rPr lang="fr-FR" dirty="0"/>
-              <a:t>A l’air es réseaux sociaux,,,</a:t>
+              <a:t>A l’air es réseaux sociaux</a:t>
             </a:r>
           </a:p>
           <a:p>
@@ -6984,6 +6985,61 @@
     <p:extLst>
       <p:ext uri="{BB962C8B-B14F-4D97-AF65-F5344CB8AC3E}">
         <p14:creationId xmlns:p14="http://schemas.microsoft.com/office/powerpoint/2010/main" val="2958622355"/>
+      </p:ext>
+    </p:extLst>
+  </p:cSld>
+  <p:clrMapOvr>
+    <a:masterClrMapping/>
+  </p:clrMapOvr>
+</p:sld>
+</file>
+
+<file path=ppt/slides/slide19.xml><?xml version="1.0" encoding="utf-8"?>
+<p:sld xmlns:a="http://schemas.openxmlformats.org/drawingml/2006/main" xmlns:r="http://schemas.openxmlformats.org/officeDocument/2006/relationships" xmlns:p="http://schemas.openxmlformats.org/presentationml/2006/main">
+  <p:cSld>
+    <p:spTree>
+      <p:nvGrpSpPr>
+        <p:cNvPr id="1" name=""/>
+        <p:cNvGrpSpPr/>
+        <p:nvPr/>
+      </p:nvGrpSpPr>
+      <p:grpSpPr>
+        <a:xfrm>
+          <a:off x="0" y="0"/>
+          <a:ext cx="0" cy="0"/>
+          <a:chOff x="0" y="0"/>
+          <a:chExt cx="0" cy="0"/>
+        </a:xfrm>
+      </p:grpSpPr>
+      <p:sp>
+        <p:nvSpPr>
+          <p:cNvPr id="2" name="Titre 1">
+            <a:extLst>
+              <a:ext uri="{FF2B5EF4-FFF2-40B4-BE49-F238E27FC236}">
+                <a16:creationId xmlns:a16="http://schemas.microsoft.com/office/drawing/2014/main" id="{04803A7F-F1EB-457C-B3CD-28C003FAA792}"/>
+              </a:ext>
+            </a:extLst>
+          </p:cNvPr>
+          <p:cNvSpPr>
+            <a:spLocks noGrp="1"/>
+          </p:cNvSpPr>
+          <p:nvPr>
+            <p:ph type="title"/>
+          </p:nvPr>
+        </p:nvSpPr>
+        <p:spPr/>
+        <p:txBody>
+          <a:bodyPr/>
+          <a:lstStyle/>
+          <a:p>
+            <a:endParaRPr lang="fr-FR"/>
+          </a:p>
+        </p:txBody>
+      </p:sp>
+    </p:spTree>
+    <p:extLst>
+      <p:ext uri="{BB962C8B-B14F-4D97-AF65-F5344CB8AC3E}">
+        <p14:creationId xmlns:p14="http://schemas.microsoft.com/office/powerpoint/2010/main" val="1685044786"/>
       </p:ext>
     </p:extLst>
   </p:cSld>

--- a/LA CHOUETTE.pptx
+++ b/LA CHOUETTE.pptx
@@ -7648,18 +7648,6 @@
             </a:r>
           </a:p>
           <a:p>
-            <a:endParaRPr lang="fr-FR" b="1" dirty="0"/>
-          </a:p>
-          <a:p>
-            <a:endParaRPr lang="fr-FR" b="1" dirty="0"/>
-          </a:p>
-          <a:p>
-            <a:endParaRPr lang="fr-FR" b="1" dirty="0"/>
-          </a:p>
-          <a:p>
-            <a:endParaRPr lang="fr-FR" b="1" dirty="0"/>
-          </a:p>
-          <a:p>
             <a:endParaRPr lang="fr-FR" b="1" dirty="0">
               <a:effectLst/>
             </a:endParaRPr>
